--- a/LTE_introduction_PartII_by_zhoulei.pptx
+++ b/LTE_introduction_PartII_by_zhoulei.pptx
@@ -7,26 +7,27 @@
     <p:sldMasterId id="2147483812" r:id="rId3"/>
   </p:sldMasterIdLst>
   <p:notesMasterIdLst>
-    <p:notesMasterId r:id="rId18"/>
+    <p:notesMasterId r:id="rId19"/>
   </p:notesMasterIdLst>
   <p:handoutMasterIdLst>
-    <p:handoutMasterId r:id="rId19"/>
+    <p:handoutMasterId r:id="rId20"/>
   </p:handoutMasterIdLst>
   <p:sldIdLst>
     <p:sldId id="311" r:id="rId4"/>
     <p:sldId id="369" r:id="rId5"/>
     <p:sldId id="368" r:id="rId6"/>
     <p:sldId id="370" r:id="rId7"/>
-    <p:sldId id="383" r:id="rId8"/>
-    <p:sldId id="371" r:id="rId9"/>
+    <p:sldId id="371" r:id="rId8"/>
+    <p:sldId id="383" r:id="rId9"/>
     <p:sldId id="385" r:id="rId10"/>
     <p:sldId id="372" r:id="rId11"/>
     <p:sldId id="374" r:id="rId12"/>
-    <p:sldId id="386" r:id="rId13"/>
-    <p:sldId id="363" r:id="rId14"/>
-    <p:sldId id="366" r:id="rId15"/>
-    <p:sldId id="352" r:id="rId16"/>
-    <p:sldId id="358" r:id="rId17"/>
+    <p:sldId id="387" r:id="rId13"/>
+    <p:sldId id="386" r:id="rId14"/>
+    <p:sldId id="363" r:id="rId15"/>
+    <p:sldId id="366" r:id="rId16"/>
+    <p:sldId id="352" r:id="rId17"/>
+    <p:sldId id="358" r:id="rId18"/>
   </p:sldIdLst>
   <p:sldSz cx="9144000" cy="5143500" type="screen16x9"/>
   <p:notesSz cx="6810375" cy="9942513"/>
@@ -157,7 +158,7 @@
   </p:defaultTextStyle>
   <p:extLst>
     <p:ext uri="{EFAFB233-063F-42B5-8137-9DF3F51BA10A}">
-      <p15:sldGuideLst xmlns="" xmlns:p15="http://schemas.microsoft.com/office/powerpoint/2012/main">
+      <p15:sldGuideLst xmlns:p15="http://schemas.microsoft.com/office/powerpoint/2012/main" xmlns="">
         <p15:guide id="1" orient="horz" pos="1620">
           <p15:clr>
             <a:srgbClr val="A4A3A4"/>
@@ -171,7 +172,7 @@
       </p15:sldGuideLst>
     </p:ext>
     <p:ext uri="{2D200454-40CA-4A62-9FC3-DE9A4176ACB9}">
-      <p15:notesGuideLst xmlns="" xmlns:p15="http://schemas.microsoft.com/office/powerpoint/2012/main">
+      <p15:notesGuideLst xmlns:p15="http://schemas.microsoft.com/office/powerpoint/2012/main" xmlns="">
         <p15:guide id="1" orient="horz" pos="2880">
           <p15:clr>
             <a:srgbClr val="A4A3A4"/>
@@ -309,7 +310,7 @@
               <a:pPr>
                 <a:defRPr/>
               </a:pPr>
-              <a:t>6/10/2017</a:t>
+              <a:t>6/11/2017</a:t>
             </a:fld>
             <a:endParaRPr lang="en-US"/>
           </a:p>
@@ -413,7 +414,7 @@
     </p:spTree>
     <p:extLst>
       <p:ext uri="{BB962C8B-B14F-4D97-AF65-F5344CB8AC3E}">
-        <p14:creationId xmlns="" xmlns:p14="http://schemas.microsoft.com/office/powerpoint/2010/main" val="3867598621"/>
+        <p14:creationId xmlns:p14="http://schemas.microsoft.com/office/powerpoint/2010/main" xmlns="" val="3867598621"/>
       </p:ext>
     </p:extLst>
   </p:cSld>
@@ -533,7 +534,7 @@
               <a:pPr>
                 <a:defRPr/>
               </a:pPr>
-              <a:t>6/10/2017</a:t>
+              <a:t>6/11/2017</a:t>
             </a:fld>
             <a:endParaRPr lang="en-US"/>
           </a:p>
@@ -734,7 +735,7 @@
     </p:spTree>
     <p:extLst>
       <p:ext uri="{BB962C8B-B14F-4D97-AF65-F5344CB8AC3E}">
-        <p14:creationId xmlns="" xmlns:p14="http://schemas.microsoft.com/office/powerpoint/2010/main" val="977992471"/>
+        <p14:creationId xmlns:p14="http://schemas.microsoft.com/office/powerpoint/2010/main" xmlns="" val="977992471"/>
       </p:ext>
     </p:extLst>
   </p:cSld>
@@ -960,7 +961,7 @@
     </p:spTree>
     <p:extLst>
       <p:ext uri="{BB962C8B-B14F-4D97-AF65-F5344CB8AC3E}">
-        <p14:creationId xmlns="" xmlns:p14="http://schemas.microsoft.com/office/powerpoint/2010/main" val="3180054805"/>
+        <p14:creationId xmlns:p14="http://schemas.microsoft.com/office/powerpoint/2010/main" xmlns="" val="3180054805"/>
       </p:ext>
     </p:extLst>
   </p:cSld>
@@ -1017,49 +1018,310 @@
           <a:lstStyle/>
           <a:p>
             <a:r>
-              <a:rPr lang="en-US" altLang="zh-CN" dirty="0"/>
-              <a:t>LTE</a:t>
-            </a:r>
-            <a:r>
-              <a:rPr lang="zh-CN" altLang="en-US" dirty="0"/>
-              <a:t>系统只是一个通俗的说法</a:t>
-            </a:r>
-            <a:r>
-              <a:rPr lang="en-US" altLang="zh-CN" dirty="0"/>
+              <a:rPr lang="zh-CN" altLang="en-US" baseline="0" dirty="0" smtClean="0"/>
+              <a:t>终端在待机状态监听</a:t>
+            </a:r>
+            <a:r>
+              <a:rPr lang="en-US" altLang="zh-CN" baseline="0" dirty="0" smtClean="0"/>
+              <a:t>SIB2</a:t>
+            </a:r>
+            <a:r>
+              <a:rPr lang="zh-CN" altLang="en-US" baseline="0" dirty="0" smtClean="0"/>
+              <a:t>广播</a:t>
+            </a:r>
+            <a:r>
+              <a:rPr lang="en-US" altLang="zh-CN" baseline="0" dirty="0" smtClean="0"/>
               <a:t>,</a:t>
             </a:r>
             <a:r>
-              <a:rPr lang="zh-CN" altLang="en-US" dirty="0"/>
-              <a:t>实际上规范的称法是</a:t>
-            </a:r>
-            <a:r>
-              <a:rPr lang="en-US" altLang="zh-CN" dirty="0"/>
-              <a:t>EPS,</a:t>
-            </a:r>
-            <a:r>
-              <a:rPr lang="zh-CN" altLang="en-US" baseline="0" dirty="0"/>
-              <a:t>它由</a:t>
-            </a:r>
-            <a:r>
-              <a:rPr lang="en-US" altLang="zh-CN" baseline="0" dirty="0"/>
-              <a:t>EPC</a:t>
-            </a:r>
-            <a:r>
-              <a:rPr lang="zh-CN" altLang="en-US" baseline="0" dirty="0"/>
-              <a:t>和</a:t>
-            </a:r>
-            <a:r>
-              <a:rPr lang="en-US" altLang="zh-CN" baseline="0" dirty="0"/>
-              <a:t>E-UTRAN</a:t>
-            </a:r>
-            <a:r>
-              <a:rPr lang="zh-CN" altLang="en-US" baseline="0" dirty="0"/>
-              <a:t>组成</a:t>
-            </a:r>
-            <a:r>
-              <a:rPr lang="en-US" altLang="zh-CN" baseline="0" dirty="0"/>
+              <a:rPr lang="zh-CN" altLang="en-US" baseline="0" dirty="0" smtClean="0"/>
+              <a:t>获得</a:t>
+            </a:r>
+            <a:r>
+              <a:rPr lang="en-US" altLang="zh-CN" baseline="0" dirty="0" smtClean="0"/>
+              <a:t>CCCH</a:t>
+            </a:r>
+            <a:r>
+              <a:rPr lang="zh-CN" altLang="en-US" baseline="0" dirty="0" smtClean="0"/>
+              <a:t>的配置信息</a:t>
+            </a:r>
+            <a:endParaRPr lang="en-US" altLang="zh-CN" baseline="0" dirty="0" smtClean="0"/>
+          </a:p>
+          <a:p>
+            <a:r>
+              <a:rPr lang="zh-CN" altLang="en-US" baseline="0" dirty="0" smtClean="0"/>
+              <a:t>当终端需要从待机状态转入联机状态时</a:t>
+            </a:r>
+            <a:r>
+              <a:rPr lang="en-US" altLang="zh-CN" baseline="0" dirty="0" smtClean="0"/>
+              <a:t>,</a:t>
+            </a:r>
+            <a:r>
+              <a:rPr lang="zh-CN" altLang="en-US" baseline="0" dirty="0" smtClean="0"/>
+              <a:t>在随机接入过程中</a:t>
+            </a:r>
+            <a:r>
+              <a:rPr lang="en-US" altLang="zh-CN" baseline="0" dirty="0" smtClean="0"/>
+              <a:t>,</a:t>
+            </a:r>
+            <a:r>
+              <a:rPr lang="zh-CN" altLang="en-US" baseline="0" dirty="0" smtClean="0"/>
+              <a:t>利用</a:t>
+            </a:r>
+            <a:r>
+              <a:rPr lang="en-US" altLang="zh-CN" baseline="0" dirty="0" smtClean="0"/>
+              <a:t>CCCH</a:t>
+            </a:r>
+            <a:r>
+              <a:rPr lang="zh-CN" altLang="en-US" baseline="0" dirty="0" smtClean="0"/>
+              <a:t>信道建立起</a:t>
+            </a:r>
+            <a:r>
+              <a:rPr lang="en-US" altLang="zh-CN" baseline="0" dirty="0" smtClean="0"/>
+              <a:t>SRB0,</a:t>
+            </a:r>
+            <a:r>
+              <a:rPr lang="zh-CN" altLang="en-US" baseline="0" dirty="0" smtClean="0"/>
+              <a:t>用来收发</a:t>
+            </a:r>
+            <a:r>
+              <a:rPr lang="en-US" altLang="zh-CN" baseline="0" dirty="0" smtClean="0"/>
+              <a:t>RRC</a:t>
+            </a:r>
+            <a:r>
+              <a:rPr lang="zh-CN" altLang="en-US" baseline="0" dirty="0" smtClean="0"/>
+              <a:t>信令</a:t>
+            </a:r>
+            <a:r>
+              <a:rPr lang="en-US" altLang="zh-CN" baseline="0" dirty="0" smtClean="0"/>
               <a:t>.</a:t>
             </a:r>
+          </a:p>
+          <a:p>
+            <a:r>
+              <a:rPr lang="zh-CN" altLang="en-US" baseline="0" dirty="0" smtClean="0"/>
+              <a:t>在</a:t>
+            </a:r>
+            <a:r>
+              <a:rPr lang="en-US" altLang="zh-CN" baseline="0" dirty="0" smtClean="0"/>
+              <a:t>SRB0</a:t>
+            </a:r>
+            <a:r>
+              <a:rPr lang="zh-CN" altLang="en-US" baseline="0" dirty="0" smtClean="0"/>
+              <a:t>上</a:t>
+            </a:r>
+            <a:r>
+              <a:rPr lang="en-US" altLang="zh-CN" baseline="0" dirty="0" smtClean="0"/>
+              <a:t>,</a:t>
+            </a:r>
+            <a:r>
+              <a:rPr lang="zh-CN" altLang="en-US" baseline="0" dirty="0" smtClean="0"/>
+              <a:t>终端会收到</a:t>
+            </a:r>
+            <a:r>
+              <a:rPr lang="en-US" altLang="zh-CN" baseline="0" dirty="0" err="1" smtClean="0"/>
+              <a:t>eNB</a:t>
+            </a:r>
+            <a:r>
+              <a:rPr lang="zh-CN" altLang="en-US" baseline="0" dirty="0" smtClean="0"/>
+              <a:t>发送的</a:t>
+            </a:r>
+            <a:r>
+              <a:rPr lang="en-US" altLang="zh-CN" baseline="0" dirty="0" smtClean="0"/>
+              <a:t>RRC Connection Setup</a:t>
+            </a:r>
+            <a:r>
+              <a:rPr lang="zh-CN" altLang="en-US" baseline="0" dirty="0" smtClean="0"/>
+              <a:t>消息</a:t>
+            </a:r>
+            <a:r>
+              <a:rPr lang="en-US" altLang="zh-CN" baseline="0" dirty="0" smtClean="0"/>
+              <a:t>,</a:t>
+            </a:r>
+            <a:r>
+              <a:rPr lang="zh-CN" altLang="en-US" baseline="0" dirty="0" smtClean="0"/>
+              <a:t>在消息中</a:t>
+            </a:r>
+            <a:r>
+              <a:rPr lang="en-US" altLang="zh-CN" baseline="0" dirty="0" err="1" smtClean="0"/>
+              <a:t>eNB</a:t>
+            </a:r>
+            <a:r>
+              <a:rPr lang="zh-CN" altLang="en-US" baseline="0" dirty="0" smtClean="0"/>
+              <a:t>为终端指定了</a:t>
+            </a:r>
+            <a:r>
+              <a:rPr lang="en-US" altLang="zh-CN" baseline="0" dirty="0" smtClean="0"/>
+              <a:t>SRB1</a:t>
+            </a:r>
+            <a:r>
+              <a:rPr lang="zh-CN" altLang="en-US" baseline="0" dirty="0" smtClean="0"/>
+              <a:t>的资源</a:t>
+            </a:r>
+            <a:r>
+              <a:rPr lang="en-US" altLang="zh-CN" baseline="0" dirty="0" smtClean="0"/>
+              <a:t>.</a:t>
+            </a:r>
+          </a:p>
+          <a:p>
+            <a:r>
+              <a:rPr lang="zh-CN" altLang="en-US" baseline="0" dirty="0" smtClean="0"/>
+              <a:t>终端根据</a:t>
+            </a:r>
+            <a:r>
+              <a:rPr lang="en-US" altLang="zh-CN" baseline="0" dirty="0" err="1" smtClean="0"/>
+              <a:t>eNB</a:t>
+            </a:r>
+            <a:r>
+              <a:rPr lang="zh-CN" altLang="en-US" baseline="0" dirty="0" smtClean="0"/>
+              <a:t>的指示建立起</a:t>
+            </a:r>
+            <a:r>
+              <a:rPr lang="en-US" altLang="zh-CN" baseline="0" dirty="0" smtClean="0"/>
+              <a:t>SRB1,</a:t>
+            </a:r>
+            <a:r>
+              <a:rPr lang="zh-CN" altLang="en-US" baseline="0" dirty="0" smtClean="0"/>
+              <a:t>用于收发</a:t>
+            </a:r>
+            <a:r>
+              <a:rPr lang="en-US" altLang="zh-CN" baseline="0" dirty="0" smtClean="0"/>
+              <a:t>RRC</a:t>
+            </a:r>
+            <a:r>
+              <a:rPr lang="zh-CN" altLang="en-US" baseline="0" dirty="0" smtClean="0"/>
+              <a:t>信令和部分</a:t>
+            </a:r>
+            <a:r>
+              <a:rPr lang="en-US" altLang="zh-CN" baseline="0" dirty="0" smtClean="0"/>
+              <a:t>NAS</a:t>
+            </a:r>
+            <a:r>
+              <a:rPr lang="zh-CN" altLang="en-US" baseline="0" dirty="0" smtClean="0"/>
+              <a:t>信令</a:t>
+            </a:r>
+            <a:r>
+              <a:rPr lang="en-US" altLang="zh-CN" baseline="0" dirty="0" smtClean="0"/>
+              <a:t>,</a:t>
+            </a:r>
+            <a:r>
+              <a:rPr lang="zh-CN" altLang="en-US" baseline="0" dirty="0" smtClean="0"/>
+              <a:t>终端的</a:t>
+            </a:r>
+            <a:r>
+              <a:rPr lang="en-US" altLang="zh-CN" baseline="0" dirty="0" smtClean="0"/>
+              <a:t>SRB1</a:t>
+            </a:r>
+            <a:r>
+              <a:rPr lang="zh-CN" altLang="en-US" baseline="0" dirty="0" smtClean="0"/>
+              <a:t>建立成功后</a:t>
+            </a:r>
+            <a:r>
+              <a:rPr lang="en-US" altLang="zh-CN" baseline="0" dirty="0" smtClean="0"/>
+              <a:t>,</a:t>
+            </a:r>
+            <a:r>
+              <a:rPr lang="zh-CN" altLang="en-US" baseline="0" dirty="0" smtClean="0"/>
+              <a:t>占用的</a:t>
+            </a:r>
+            <a:r>
+              <a:rPr lang="en-US" altLang="zh-CN" baseline="0" dirty="0" smtClean="0"/>
+              <a:t>SRB0</a:t>
+            </a:r>
+            <a:r>
+              <a:rPr lang="zh-CN" altLang="en-US" baseline="0" dirty="0" smtClean="0"/>
+              <a:t>就释放了</a:t>
+            </a:r>
+            <a:r>
+              <a:rPr lang="en-US" altLang="zh-CN" baseline="0" dirty="0" smtClean="0"/>
+              <a:t>.</a:t>
+            </a:r>
+          </a:p>
+          <a:p>
+            <a:pPr marL="0" marR="0" indent="0" algn="l" defTabSz="457200" rtl="0" eaLnBrk="0" fontAlgn="base" latinLnBrk="0" hangingPunct="0">
+              <a:lnSpc>
+                <a:spcPct val="100000"/>
+              </a:lnSpc>
+              <a:spcBef>
+                <a:spcPct val="30000"/>
+              </a:spcBef>
+              <a:spcAft>
+                <a:spcPct val="0"/>
+              </a:spcAft>
+              <a:buClrTx/>
+              <a:buSzTx/>
+              <a:buFontTx/>
+              <a:buNone/>
+              <a:tabLst/>
+              <a:defRPr/>
+            </a:pPr>
+            <a:r>
+              <a:rPr lang="zh-CN" altLang="en-US" baseline="0" dirty="0" smtClean="0"/>
+              <a:t>在</a:t>
+            </a:r>
+            <a:r>
+              <a:rPr lang="en-US" altLang="zh-CN" baseline="0" dirty="0" smtClean="0"/>
+              <a:t>SRB1</a:t>
+            </a:r>
+            <a:r>
+              <a:rPr lang="zh-CN" altLang="en-US" baseline="0" dirty="0" smtClean="0"/>
+              <a:t>上</a:t>
+            </a:r>
+            <a:r>
+              <a:rPr lang="en-US" altLang="zh-CN" baseline="0" dirty="0" smtClean="0"/>
+              <a:t>,</a:t>
+            </a:r>
+            <a:r>
+              <a:rPr lang="zh-CN" altLang="en-US" baseline="0" dirty="0" smtClean="0"/>
+              <a:t>终端会收到</a:t>
+            </a:r>
+            <a:r>
+              <a:rPr lang="en-US" altLang="zh-CN" baseline="0" dirty="0" err="1" smtClean="0"/>
+              <a:t>eNB</a:t>
+            </a:r>
+            <a:r>
+              <a:rPr lang="zh-CN" altLang="en-US" baseline="0" dirty="0" smtClean="0"/>
+              <a:t>发送的</a:t>
+            </a:r>
+            <a:r>
+              <a:rPr lang="en-US" altLang="zh-CN" baseline="0" dirty="0" smtClean="0"/>
+              <a:t>RRC Connection Reconfiguration</a:t>
+            </a:r>
+            <a:r>
+              <a:rPr lang="zh-CN" altLang="en-US" baseline="0" dirty="0" smtClean="0"/>
+              <a:t>消息</a:t>
+            </a:r>
+            <a:r>
+              <a:rPr lang="en-US" altLang="zh-CN" baseline="0" dirty="0" smtClean="0"/>
+              <a:t>,</a:t>
+            </a:r>
+            <a:r>
+              <a:rPr lang="zh-CN" altLang="en-US" baseline="0" dirty="0" smtClean="0"/>
+              <a:t>在消息中</a:t>
+            </a:r>
+            <a:r>
+              <a:rPr lang="en-US" altLang="zh-CN" baseline="0" dirty="0" err="1" smtClean="0"/>
+              <a:t>eNB</a:t>
+            </a:r>
+            <a:r>
+              <a:rPr lang="zh-CN" altLang="en-US" baseline="0" dirty="0" smtClean="0"/>
+              <a:t>为终端指定了</a:t>
+            </a:r>
+            <a:r>
+              <a:rPr lang="en-US" altLang="zh-CN" baseline="0" dirty="0" smtClean="0"/>
+              <a:t>SRB2</a:t>
+            </a:r>
+            <a:r>
+              <a:rPr lang="zh-CN" altLang="en-US" baseline="0" dirty="0" smtClean="0"/>
+              <a:t>的资源</a:t>
+            </a:r>
+            <a:r>
+              <a:rPr lang="en-US" altLang="zh-CN" baseline="0" dirty="0" smtClean="0"/>
+              <a:t>.</a:t>
+            </a:r>
+          </a:p>
+          <a:p>
+            <a:endParaRPr lang="en-US" altLang="zh-CN" baseline="0" dirty="0" smtClean="0"/>
           </a:p>
         </p:txBody>
       </p:sp>
@@ -1087,6 +1349,141 @@
                 <a:defRPr/>
               </a:pPr>
               <a:t>11</a:t>
+            </a:fld>
+            <a:endParaRPr lang="en-US"/>
+          </a:p>
+        </p:txBody>
+      </p:sp>
+    </p:spTree>
+    <p:extLst>
+      <p:ext uri="{BB962C8B-B14F-4D97-AF65-F5344CB8AC3E}">
+        <p14:creationId xmlns:p14="http://schemas.microsoft.com/office/powerpoint/2010/main" xmlns="" val="392122695"/>
+      </p:ext>
+    </p:extLst>
+  </p:cSld>
+  <p:clrMapOvr>
+    <a:masterClrMapping/>
+  </p:clrMapOvr>
+</p:notes>
+</file>
+
+<file path=ppt/notesSlides/notesSlide11.xml><?xml version="1.0" encoding="utf-8"?>
+<p:notes xmlns:a="http://schemas.openxmlformats.org/drawingml/2006/main" xmlns:r="http://schemas.openxmlformats.org/officeDocument/2006/relationships" xmlns:p="http://schemas.openxmlformats.org/presentationml/2006/main">
+  <p:cSld>
+    <p:spTree>
+      <p:nvGrpSpPr>
+        <p:cNvPr id="1" name=""/>
+        <p:cNvGrpSpPr/>
+        <p:nvPr/>
+      </p:nvGrpSpPr>
+      <p:grpSpPr>
+        <a:xfrm>
+          <a:off x="0" y="0"/>
+          <a:ext cx="0" cy="0"/>
+          <a:chOff x="0" y="0"/>
+          <a:chExt cx="0" cy="0"/>
+        </a:xfrm>
+      </p:grpSpPr>
+      <p:sp>
+        <p:nvSpPr>
+          <p:cNvPr id="2" name="幻灯片图像占位符 1"/>
+          <p:cNvSpPr>
+            <a:spLocks noGrp="1" noRot="1" noChangeAspect="1"/>
+          </p:cNvSpPr>
+          <p:nvPr>
+            <p:ph type="sldImg"/>
+          </p:nvPr>
+        </p:nvSpPr>
+        <p:spPr/>
+      </p:sp>
+      <p:sp>
+        <p:nvSpPr>
+          <p:cNvPr id="3" name="备注占位符 2"/>
+          <p:cNvSpPr>
+            <a:spLocks noGrp="1"/>
+          </p:cNvSpPr>
+          <p:nvPr>
+            <p:ph type="body" idx="1"/>
+          </p:nvPr>
+        </p:nvSpPr>
+        <p:spPr/>
+        <p:txBody>
+          <a:bodyPr>
+            <a:normAutofit/>
+          </a:bodyPr>
+          <a:lstStyle/>
+          <a:p>
+            <a:r>
+              <a:rPr lang="en-US" altLang="zh-CN" dirty="0"/>
+              <a:t>LTE</a:t>
+            </a:r>
+            <a:r>
+              <a:rPr lang="zh-CN" altLang="en-US" dirty="0"/>
+              <a:t>系统只是一个通俗的说法</a:t>
+            </a:r>
+            <a:r>
+              <a:rPr lang="en-US" altLang="zh-CN" dirty="0"/>
+              <a:t>,</a:t>
+            </a:r>
+            <a:r>
+              <a:rPr lang="zh-CN" altLang="en-US" dirty="0"/>
+              <a:t>实际上规范的称法是</a:t>
+            </a:r>
+            <a:r>
+              <a:rPr lang="en-US" altLang="zh-CN" dirty="0"/>
+              <a:t>EPS,</a:t>
+            </a:r>
+            <a:r>
+              <a:rPr lang="zh-CN" altLang="en-US" baseline="0" dirty="0"/>
+              <a:t>它由</a:t>
+            </a:r>
+            <a:r>
+              <a:rPr lang="en-US" altLang="zh-CN" baseline="0" dirty="0"/>
+              <a:t>EPC</a:t>
+            </a:r>
+            <a:r>
+              <a:rPr lang="zh-CN" altLang="en-US" baseline="0" dirty="0"/>
+              <a:t>和</a:t>
+            </a:r>
+            <a:r>
+              <a:rPr lang="en-US" altLang="zh-CN" baseline="0" dirty="0"/>
+              <a:t>E-UTRAN</a:t>
+            </a:r>
+            <a:r>
+              <a:rPr lang="zh-CN" altLang="en-US" baseline="0" dirty="0"/>
+              <a:t>组成</a:t>
+            </a:r>
+            <a:r>
+              <a:rPr lang="en-US" altLang="zh-CN" baseline="0" dirty="0"/>
+              <a:t>.</a:t>
+            </a:r>
+          </a:p>
+        </p:txBody>
+      </p:sp>
+      <p:sp>
+        <p:nvSpPr>
+          <p:cNvPr id="4" name="灯片编号占位符 3"/>
+          <p:cNvSpPr>
+            <a:spLocks noGrp="1"/>
+          </p:cNvSpPr>
+          <p:nvPr>
+            <p:ph type="sldNum" sz="quarter" idx="10"/>
+          </p:nvPr>
+        </p:nvSpPr>
+        <p:spPr/>
+        <p:txBody>
+          <a:bodyPr/>
+          <a:lstStyle/>
+          <a:p>
+            <a:pPr>
+              <a:defRPr/>
+            </a:pPr>
+            <a:fld id="{26C2616F-011D-47B3-A2C1-4E16F11993E6}" type="slidenum">
+              <a:rPr lang="en-US" smtClean="0"/>
+              <a:pPr>
+                <a:defRPr/>
+              </a:pPr>
+              <a:t>12</a:t>
             </a:fld>
             <a:endParaRPr lang="en-US"/>
           </a:p>
@@ -1269,7 +1666,7 @@
     </p:spTree>
     <p:extLst>
       <p:ext uri="{BB962C8B-B14F-4D97-AF65-F5344CB8AC3E}">
-        <p14:creationId xmlns="" xmlns:p14="http://schemas.microsoft.com/office/powerpoint/2010/main" val="964776394"/>
+        <p14:creationId xmlns:p14="http://schemas.microsoft.com/office/powerpoint/2010/main" xmlns="" val="964776394"/>
       </p:ext>
     </p:extLst>
   </p:cSld>
@@ -1325,44 +1722,6 @@
           </a:bodyPr>
           <a:lstStyle/>
           <a:p>
-            <a:r>
-              <a:rPr lang="en-US" altLang="zh-CN" baseline="0" dirty="0" smtClean="0"/>
-              <a:t>RSRP: </a:t>
-            </a:r>
-            <a:r>
-              <a:rPr lang="zh-CN" altLang="en-US" baseline="0" dirty="0" smtClean="0"/>
-              <a:t>参考信号强度</a:t>
-            </a:r>
-            <a:endParaRPr lang="en-US" altLang="zh-CN" baseline="0" dirty="0" smtClean="0"/>
-          </a:p>
-          <a:p>
-            <a:r>
-              <a:rPr lang="en-US" altLang="zh-CN" baseline="0" dirty="0" err="1" smtClean="0"/>
-              <a:t>Qhyst</a:t>
-            </a:r>
-            <a:r>
-              <a:rPr lang="en-US" altLang="zh-CN" baseline="0" dirty="0" smtClean="0"/>
-              <a:t>:</a:t>
-            </a:r>
-            <a:r>
-              <a:rPr lang="zh-CN" altLang="en-US" baseline="0" dirty="0" smtClean="0"/>
-              <a:t>迟滞值</a:t>
-            </a:r>
-            <a:endParaRPr lang="en-US" altLang="zh-CN" baseline="0" dirty="0" smtClean="0"/>
-          </a:p>
-          <a:p>
-            <a:r>
-              <a:rPr lang="en-US" altLang="zh-CN" baseline="0" dirty="0" err="1" smtClean="0"/>
-              <a:t>Qoffset</a:t>
-            </a:r>
-            <a:r>
-              <a:rPr lang="en-US" altLang="zh-CN" baseline="0" dirty="0" smtClean="0"/>
-              <a:t>:</a:t>
-            </a:r>
-            <a:r>
-              <a:rPr lang="zh-CN" altLang="en-US" baseline="0" dirty="0" smtClean="0"/>
-              <a:t>偏置值</a:t>
-            </a:r>
             <a:endParaRPr lang="en-US" altLang="zh-CN" baseline="0" dirty="0"/>
           </a:p>
         </p:txBody>
@@ -1399,7 +1758,7 @@
     </p:spTree>
     <p:extLst>
       <p:ext uri="{BB962C8B-B14F-4D97-AF65-F5344CB8AC3E}">
-        <p14:creationId xmlns="" xmlns:p14="http://schemas.microsoft.com/office/powerpoint/2010/main" val="964776394"/>
+        <p14:creationId xmlns:p14="http://schemas.microsoft.com/office/powerpoint/2010/main" xmlns="" val="3029156377"/>
       </p:ext>
     </p:extLst>
   </p:cSld>
@@ -1455,6 +1814,44 @@
           </a:bodyPr>
           <a:lstStyle/>
           <a:p>
+            <a:r>
+              <a:rPr lang="en-US" altLang="zh-CN" baseline="0" dirty="0" smtClean="0"/>
+              <a:t>RSRP: </a:t>
+            </a:r>
+            <a:r>
+              <a:rPr lang="zh-CN" altLang="en-US" baseline="0" dirty="0" smtClean="0"/>
+              <a:t>参考信号强度</a:t>
+            </a:r>
+            <a:endParaRPr lang="en-US" altLang="zh-CN" baseline="0" dirty="0" smtClean="0"/>
+          </a:p>
+          <a:p>
+            <a:r>
+              <a:rPr lang="en-US" altLang="zh-CN" baseline="0" dirty="0" err="1" smtClean="0"/>
+              <a:t>Qhyst</a:t>
+            </a:r>
+            <a:r>
+              <a:rPr lang="en-US" altLang="zh-CN" baseline="0" dirty="0" smtClean="0"/>
+              <a:t>:</a:t>
+            </a:r>
+            <a:r>
+              <a:rPr lang="zh-CN" altLang="en-US" baseline="0" dirty="0" smtClean="0"/>
+              <a:t>迟滞值</a:t>
+            </a:r>
+            <a:endParaRPr lang="en-US" altLang="zh-CN" baseline="0" dirty="0" smtClean="0"/>
+          </a:p>
+          <a:p>
+            <a:r>
+              <a:rPr lang="en-US" altLang="zh-CN" baseline="0" dirty="0" err="1" smtClean="0"/>
+              <a:t>Qoffset</a:t>
+            </a:r>
+            <a:r>
+              <a:rPr lang="en-US" altLang="zh-CN" baseline="0" dirty="0" smtClean="0"/>
+              <a:t>:</a:t>
+            </a:r>
+            <a:r>
+              <a:rPr lang="zh-CN" altLang="en-US" baseline="0" dirty="0" smtClean="0"/>
+              <a:t>偏置值</a:t>
+            </a:r>
             <a:endParaRPr lang="en-US" altLang="zh-CN" baseline="0" dirty="0"/>
           </a:p>
         </p:txBody>
@@ -1491,7 +1888,7 @@
     </p:spTree>
     <p:extLst>
       <p:ext uri="{BB962C8B-B14F-4D97-AF65-F5344CB8AC3E}">
-        <p14:creationId xmlns="" xmlns:p14="http://schemas.microsoft.com/office/powerpoint/2010/main" val="3029156377"/>
+        <p14:creationId xmlns:p14="http://schemas.microsoft.com/office/powerpoint/2010/main" xmlns="" val="964776394"/>
       </p:ext>
     </p:extLst>
   </p:cSld>
@@ -1670,7 +2067,7 @@
     </p:spTree>
     <p:extLst>
       <p:ext uri="{BB962C8B-B14F-4D97-AF65-F5344CB8AC3E}">
-        <p14:creationId xmlns="" xmlns:p14="http://schemas.microsoft.com/office/powerpoint/2010/main" val="3986890417"/>
+        <p14:creationId xmlns:p14="http://schemas.microsoft.com/office/powerpoint/2010/main" xmlns="" val="3986890417"/>
       </p:ext>
     </p:extLst>
   </p:cSld>
@@ -1762,7 +2159,7 @@
     </p:spTree>
     <p:extLst>
       <p:ext uri="{BB962C8B-B14F-4D97-AF65-F5344CB8AC3E}">
-        <p14:creationId xmlns="" xmlns:p14="http://schemas.microsoft.com/office/powerpoint/2010/main" val="392122695"/>
+        <p14:creationId xmlns:p14="http://schemas.microsoft.com/office/powerpoint/2010/main" xmlns="" val="392122695"/>
       </p:ext>
     </p:extLst>
   </p:cSld>
@@ -1818,311 +2215,7 @@
           </a:bodyPr>
           <a:lstStyle/>
           <a:p>
-            <a:r>
-              <a:rPr lang="zh-CN" altLang="en-US" baseline="0" dirty="0" smtClean="0"/>
-              <a:t>终端在待机状态监听</a:t>
-            </a:r>
-            <a:r>
-              <a:rPr lang="en-US" altLang="zh-CN" baseline="0" dirty="0" smtClean="0"/>
-              <a:t>SIB2</a:t>
-            </a:r>
-            <a:r>
-              <a:rPr lang="zh-CN" altLang="en-US" baseline="0" dirty="0" smtClean="0"/>
-              <a:t>广播</a:t>
-            </a:r>
-            <a:r>
-              <a:rPr lang="en-US" altLang="zh-CN" baseline="0" dirty="0" smtClean="0"/>
-              <a:t>,</a:t>
-            </a:r>
-            <a:r>
-              <a:rPr lang="zh-CN" altLang="en-US" baseline="0" dirty="0" smtClean="0"/>
-              <a:t>获得</a:t>
-            </a:r>
-            <a:r>
-              <a:rPr lang="en-US" altLang="zh-CN" baseline="0" dirty="0" smtClean="0"/>
-              <a:t>CCCH</a:t>
-            </a:r>
-            <a:r>
-              <a:rPr lang="zh-CN" altLang="en-US" baseline="0" dirty="0" smtClean="0"/>
-              <a:t>的配置信息</a:t>
-            </a:r>
-            <a:endParaRPr lang="en-US" altLang="zh-CN" baseline="0" dirty="0" smtClean="0"/>
-          </a:p>
-          <a:p>
-            <a:r>
-              <a:rPr lang="zh-CN" altLang="en-US" baseline="0" dirty="0" smtClean="0"/>
-              <a:t>当终端需要从待机状态转入联机状态时</a:t>
-            </a:r>
-            <a:r>
-              <a:rPr lang="en-US" altLang="zh-CN" baseline="0" dirty="0" smtClean="0"/>
-              <a:t>,</a:t>
-            </a:r>
-            <a:r>
-              <a:rPr lang="zh-CN" altLang="en-US" baseline="0" dirty="0" smtClean="0"/>
-              <a:t>在随机接入过程中</a:t>
-            </a:r>
-            <a:r>
-              <a:rPr lang="en-US" altLang="zh-CN" baseline="0" dirty="0" smtClean="0"/>
-              <a:t>,</a:t>
-            </a:r>
-            <a:r>
-              <a:rPr lang="zh-CN" altLang="en-US" baseline="0" dirty="0" smtClean="0"/>
-              <a:t>利用</a:t>
-            </a:r>
-            <a:r>
-              <a:rPr lang="en-US" altLang="zh-CN" baseline="0" dirty="0" smtClean="0"/>
-              <a:t>CCCH</a:t>
-            </a:r>
-            <a:r>
-              <a:rPr lang="zh-CN" altLang="en-US" baseline="0" dirty="0" smtClean="0"/>
-              <a:t>信道建立起</a:t>
-            </a:r>
-            <a:r>
-              <a:rPr lang="en-US" altLang="zh-CN" baseline="0" dirty="0" smtClean="0"/>
-              <a:t>SRB0,</a:t>
-            </a:r>
-            <a:r>
-              <a:rPr lang="zh-CN" altLang="en-US" baseline="0" dirty="0" smtClean="0"/>
-              <a:t>用来收发</a:t>
-            </a:r>
-            <a:r>
-              <a:rPr lang="en-US" altLang="zh-CN" baseline="0" dirty="0" smtClean="0"/>
-              <a:t>RRC</a:t>
-            </a:r>
-            <a:r>
-              <a:rPr lang="zh-CN" altLang="en-US" baseline="0" dirty="0" smtClean="0"/>
-              <a:t>信令</a:t>
-            </a:r>
-            <a:r>
-              <a:rPr lang="en-US" altLang="zh-CN" baseline="0" dirty="0" smtClean="0"/>
-              <a:t>.</a:t>
-            </a:r>
-          </a:p>
-          <a:p>
-            <a:r>
-              <a:rPr lang="zh-CN" altLang="en-US" baseline="0" dirty="0" smtClean="0"/>
-              <a:t>在</a:t>
-            </a:r>
-            <a:r>
-              <a:rPr lang="en-US" altLang="zh-CN" baseline="0" dirty="0" smtClean="0"/>
-              <a:t>SRB0</a:t>
-            </a:r>
-            <a:r>
-              <a:rPr lang="zh-CN" altLang="en-US" baseline="0" dirty="0" smtClean="0"/>
-              <a:t>上</a:t>
-            </a:r>
-            <a:r>
-              <a:rPr lang="en-US" altLang="zh-CN" baseline="0" dirty="0" smtClean="0"/>
-              <a:t>,</a:t>
-            </a:r>
-            <a:r>
-              <a:rPr lang="zh-CN" altLang="en-US" baseline="0" dirty="0" smtClean="0"/>
-              <a:t>终端会收到</a:t>
-            </a:r>
-            <a:r>
-              <a:rPr lang="en-US" altLang="zh-CN" baseline="0" dirty="0" err="1" smtClean="0"/>
-              <a:t>eNB</a:t>
-            </a:r>
-            <a:r>
-              <a:rPr lang="zh-CN" altLang="en-US" baseline="0" dirty="0" smtClean="0"/>
-              <a:t>发送的</a:t>
-            </a:r>
-            <a:r>
-              <a:rPr lang="en-US" altLang="zh-CN" baseline="0" dirty="0" smtClean="0"/>
-              <a:t>RRC Connection Setup</a:t>
-            </a:r>
-            <a:r>
-              <a:rPr lang="zh-CN" altLang="en-US" baseline="0" dirty="0" smtClean="0"/>
-              <a:t>消息</a:t>
-            </a:r>
-            <a:r>
-              <a:rPr lang="en-US" altLang="zh-CN" baseline="0" dirty="0" smtClean="0"/>
-              <a:t>,</a:t>
-            </a:r>
-            <a:r>
-              <a:rPr lang="zh-CN" altLang="en-US" baseline="0" dirty="0" smtClean="0"/>
-              <a:t>在消息中</a:t>
-            </a:r>
-            <a:r>
-              <a:rPr lang="en-US" altLang="zh-CN" baseline="0" dirty="0" err="1" smtClean="0"/>
-              <a:t>eNB</a:t>
-            </a:r>
-            <a:r>
-              <a:rPr lang="zh-CN" altLang="en-US" baseline="0" dirty="0" smtClean="0"/>
-              <a:t>为终端指定了</a:t>
-            </a:r>
-            <a:r>
-              <a:rPr lang="en-US" altLang="zh-CN" baseline="0" dirty="0" smtClean="0"/>
-              <a:t>SRB1</a:t>
-            </a:r>
-            <a:r>
-              <a:rPr lang="zh-CN" altLang="en-US" baseline="0" dirty="0" smtClean="0"/>
-              <a:t>的资源</a:t>
-            </a:r>
-            <a:r>
-              <a:rPr lang="en-US" altLang="zh-CN" baseline="0" dirty="0" smtClean="0"/>
-              <a:t>.</a:t>
-            </a:r>
-          </a:p>
-          <a:p>
-            <a:r>
-              <a:rPr lang="zh-CN" altLang="en-US" baseline="0" dirty="0" smtClean="0"/>
-              <a:t>终端根据</a:t>
-            </a:r>
-            <a:r>
-              <a:rPr lang="en-US" altLang="zh-CN" baseline="0" dirty="0" err="1" smtClean="0"/>
-              <a:t>eNB</a:t>
-            </a:r>
-            <a:r>
-              <a:rPr lang="zh-CN" altLang="en-US" baseline="0" dirty="0" smtClean="0"/>
-              <a:t>的指示建立起</a:t>
-            </a:r>
-            <a:r>
-              <a:rPr lang="en-US" altLang="zh-CN" baseline="0" dirty="0" smtClean="0"/>
-              <a:t>SRB1,</a:t>
-            </a:r>
-            <a:r>
-              <a:rPr lang="zh-CN" altLang="en-US" baseline="0" dirty="0" smtClean="0"/>
-              <a:t>用于收发</a:t>
-            </a:r>
-            <a:r>
-              <a:rPr lang="en-US" altLang="zh-CN" baseline="0" dirty="0" smtClean="0"/>
-              <a:t>RRC</a:t>
-            </a:r>
-            <a:r>
-              <a:rPr lang="zh-CN" altLang="en-US" baseline="0" dirty="0" smtClean="0"/>
-              <a:t>信令和部分</a:t>
-            </a:r>
-            <a:r>
-              <a:rPr lang="en-US" altLang="zh-CN" baseline="0" dirty="0" smtClean="0"/>
-              <a:t>NAS</a:t>
-            </a:r>
-            <a:r>
-              <a:rPr lang="zh-CN" altLang="en-US" baseline="0" dirty="0" smtClean="0"/>
-              <a:t>信令</a:t>
-            </a:r>
-            <a:r>
-              <a:rPr lang="en-US" altLang="zh-CN" baseline="0" dirty="0" smtClean="0"/>
-              <a:t>,</a:t>
-            </a:r>
-            <a:r>
-              <a:rPr lang="zh-CN" altLang="en-US" baseline="0" dirty="0" smtClean="0"/>
-              <a:t>终端的</a:t>
-            </a:r>
-            <a:r>
-              <a:rPr lang="en-US" altLang="zh-CN" baseline="0" dirty="0" smtClean="0"/>
-              <a:t>SRB1</a:t>
-            </a:r>
-            <a:r>
-              <a:rPr lang="zh-CN" altLang="en-US" baseline="0" dirty="0" smtClean="0"/>
-              <a:t>建立成功后</a:t>
-            </a:r>
-            <a:r>
-              <a:rPr lang="en-US" altLang="zh-CN" baseline="0" dirty="0" smtClean="0"/>
-              <a:t>,</a:t>
-            </a:r>
-            <a:r>
-              <a:rPr lang="zh-CN" altLang="en-US" baseline="0" dirty="0" smtClean="0"/>
-              <a:t>占用的</a:t>
-            </a:r>
-            <a:r>
-              <a:rPr lang="en-US" altLang="zh-CN" baseline="0" dirty="0" smtClean="0"/>
-              <a:t>SRB0</a:t>
-            </a:r>
-            <a:r>
-              <a:rPr lang="zh-CN" altLang="en-US" baseline="0" dirty="0" smtClean="0"/>
-              <a:t>就释放了</a:t>
-            </a:r>
-            <a:r>
-              <a:rPr lang="en-US" altLang="zh-CN" baseline="0" dirty="0" smtClean="0"/>
-              <a:t>.</a:t>
-            </a:r>
-          </a:p>
-          <a:p>
-            <a:pPr marL="0" marR="0" indent="0" algn="l" defTabSz="457200" rtl="0" eaLnBrk="0" fontAlgn="base" latinLnBrk="0" hangingPunct="0">
-              <a:lnSpc>
-                <a:spcPct val="100000"/>
-              </a:lnSpc>
-              <a:spcBef>
-                <a:spcPct val="30000"/>
-              </a:spcBef>
-              <a:spcAft>
-                <a:spcPct val="0"/>
-              </a:spcAft>
-              <a:buClrTx/>
-              <a:buSzTx/>
-              <a:buFontTx/>
-              <a:buNone/>
-              <a:tabLst/>
-              <a:defRPr/>
-            </a:pPr>
-            <a:r>
-              <a:rPr lang="zh-CN" altLang="en-US" baseline="0" dirty="0" smtClean="0"/>
-              <a:t>在</a:t>
-            </a:r>
-            <a:r>
-              <a:rPr lang="en-US" altLang="zh-CN" baseline="0" dirty="0" smtClean="0"/>
-              <a:t>SRB1</a:t>
-            </a:r>
-            <a:r>
-              <a:rPr lang="zh-CN" altLang="en-US" baseline="0" dirty="0" smtClean="0"/>
-              <a:t>上</a:t>
-            </a:r>
-            <a:r>
-              <a:rPr lang="en-US" altLang="zh-CN" baseline="0" dirty="0" smtClean="0"/>
-              <a:t>,</a:t>
-            </a:r>
-            <a:r>
-              <a:rPr lang="zh-CN" altLang="en-US" baseline="0" dirty="0" smtClean="0"/>
-              <a:t>终端会收到</a:t>
-            </a:r>
-            <a:r>
-              <a:rPr lang="en-US" altLang="zh-CN" baseline="0" dirty="0" err="1" smtClean="0"/>
-              <a:t>eNB</a:t>
-            </a:r>
-            <a:r>
-              <a:rPr lang="zh-CN" altLang="en-US" baseline="0" dirty="0" smtClean="0"/>
-              <a:t>发送的</a:t>
-            </a:r>
-            <a:r>
-              <a:rPr lang="en-US" altLang="zh-CN" baseline="0" dirty="0" smtClean="0"/>
-              <a:t>RRC Connection Reconfiguration</a:t>
-            </a:r>
-            <a:r>
-              <a:rPr lang="zh-CN" altLang="en-US" baseline="0" dirty="0" smtClean="0"/>
-              <a:t>消息</a:t>
-            </a:r>
-            <a:r>
-              <a:rPr lang="en-US" altLang="zh-CN" baseline="0" dirty="0" smtClean="0"/>
-              <a:t>,</a:t>
-            </a:r>
-            <a:r>
-              <a:rPr lang="zh-CN" altLang="en-US" baseline="0" dirty="0" smtClean="0"/>
-              <a:t>在消息中</a:t>
-            </a:r>
-            <a:r>
-              <a:rPr lang="en-US" altLang="zh-CN" baseline="0" dirty="0" err="1" smtClean="0"/>
-              <a:t>eNB</a:t>
-            </a:r>
-            <a:r>
-              <a:rPr lang="zh-CN" altLang="en-US" baseline="0" dirty="0" smtClean="0"/>
-              <a:t>为终端指定了</a:t>
-            </a:r>
-            <a:r>
-              <a:rPr lang="en-US" altLang="zh-CN" baseline="0" dirty="0" smtClean="0"/>
-              <a:t>SRB2</a:t>
-            </a:r>
-            <a:r>
-              <a:rPr lang="zh-CN" altLang="en-US" baseline="0" dirty="0" smtClean="0"/>
-              <a:t>的资源</a:t>
-            </a:r>
-            <a:r>
-              <a:rPr lang="en-US" altLang="zh-CN" baseline="0" dirty="0" smtClean="0"/>
-              <a:t>.</a:t>
-            </a:r>
-          </a:p>
-          <a:p>
-            <a:endParaRPr lang="en-US" altLang="zh-CN" baseline="0" dirty="0" smtClean="0"/>
+            <a:endParaRPr lang="en-US" altLang="zh-CN" baseline="0" dirty="0"/>
           </a:p>
         </p:txBody>
       </p:sp>
@@ -2158,7 +2251,7 @@
     </p:spTree>
     <p:extLst>
       <p:ext uri="{BB962C8B-B14F-4D97-AF65-F5344CB8AC3E}">
-        <p14:creationId xmlns="" xmlns:p14="http://schemas.microsoft.com/office/powerpoint/2010/main" val="392122695"/>
+        <p14:creationId xmlns:p14="http://schemas.microsoft.com/office/powerpoint/2010/main" xmlns="" val="392122695"/>
       </p:ext>
     </p:extLst>
   </p:cSld>
@@ -2917,7 +3010,7 @@
           <a:blip r:embed="rId3">
             <a:extLst>
               <a:ext uri="{28A0092B-C50C-407E-A947-70E740481C1C}">
-                <a14:useLocalDpi xmlns="" xmlns:a14="http://schemas.microsoft.com/office/drawing/2010/main" val="0"/>
+                <a14:useLocalDpi xmlns:a14="http://schemas.microsoft.com/office/drawing/2010/main" xmlns="" val="0"/>
               </a:ext>
             </a:extLst>
           </a:blip>
@@ -7718,19 +7811,7 @@
             </a:pPr>
             <a:r>
               <a:rPr lang="zh-CN" altLang="en-US" sz="1800" dirty="0" smtClean="0"/>
-              <a:t>第</a:t>
-            </a:r>
-            <a:r>
-              <a:rPr lang="zh-CN" altLang="en-US" sz="1800" dirty="0" smtClean="0"/>
-              <a:t>二</a:t>
-            </a:r>
-            <a:r>
-              <a:rPr lang="zh-CN" altLang="en-US" sz="1800" dirty="0" smtClean="0"/>
-              <a:t>部</a:t>
-            </a:r>
-            <a:r>
-              <a:rPr lang="zh-CN" altLang="en-US" sz="1800" dirty="0" smtClean="0"/>
-              <a:t>分</a:t>
+              <a:t>第二部分</a:t>
             </a:r>
             <a:r>
               <a:rPr lang="en-US" altLang="zh-CN" sz="1800" dirty="0" smtClean="0"/>
@@ -7766,11 +7847,7 @@
             </a:pPr>
             <a:r>
               <a:rPr lang="en-GB" sz="1800" dirty="0" smtClean="0"/>
-              <a:t>10</a:t>
-            </a:r>
-            <a:r>
-              <a:rPr lang="en-GB" sz="1800" dirty="0" smtClean="0"/>
-              <a:t>-</a:t>
+              <a:t>10-</a:t>
             </a:r>
             <a:r>
               <a:rPr lang="en-US" sz="1800" dirty="0" smtClean="0"/>
@@ -7801,6 +7878,395 @@
 </file>
 
 <file path=ppt/slides/slide10.xml><?xml version="1.0" encoding="utf-8"?>
+<p:sld xmlns:a="http://schemas.openxmlformats.org/drawingml/2006/main" xmlns:r="http://schemas.openxmlformats.org/officeDocument/2006/relationships" xmlns:p="http://schemas.openxmlformats.org/presentationml/2006/main">
+  <p:cSld>
+    <p:spTree>
+      <p:nvGrpSpPr>
+        <p:cNvPr id="1" name=""/>
+        <p:cNvGrpSpPr/>
+        <p:nvPr/>
+      </p:nvGrpSpPr>
+      <p:grpSpPr>
+        <a:xfrm>
+          <a:off x="0" y="0"/>
+          <a:ext cx="0" cy="0"/>
+          <a:chOff x="0" y="0"/>
+          <a:chExt cx="0" cy="0"/>
+        </a:xfrm>
+      </p:grpSpPr>
+      <p:sp>
+        <p:nvSpPr>
+          <p:cNvPr id="2" name="Content Placeholder 1"/>
+          <p:cNvSpPr>
+            <a:spLocks noGrp="1"/>
+          </p:cNvSpPr>
+          <p:nvPr>
+            <p:ph idx="1"/>
+          </p:nvPr>
+        </p:nvSpPr>
+        <p:spPr>
+          <a:xfrm>
+            <a:off x="417144" y="1097956"/>
+            <a:ext cx="8229600" cy="3609693"/>
+          </a:xfrm>
+        </p:spPr>
+        <p:txBody>
+          <a:bodyPr/>
+          <a:lstStyle/>
+          <a:p>
+            <a:pPr marL="0" indent="0" hangingPunct="0">
+              <a:buNone/>
+            </a:pPr>
+            <a:endParaRPr lang="en-US" altLang="zh-CN" sz="1000" dirty="0"/>
+          </a:p>
+          <a:p>
+            <a:pPr marL="0" indent="0" hangingPunct="0">
+              <a:buNone/>
+            </a:pPr>
+            <a:endParaRPr lang="en-US" altLang="zh-CN" sz="1000" dirty="0"/>
+          </a:p>
+          <a:p>
+            <a:pPr marL="0" indent="0" hangingPunct="0">
+              <a:buNone/>
+            </a:pPr>
+            <a:endParaRPr lang="en-US" altLang="zh-CN" sz="1000" dirty="0"/>
+          </a:p>
+          <a:p>
+            <a:pPr marL="0" indent="0" hangingPunct="0">
+              <a:buNone/>
+            </a:pPr>
+            <a:endParaRPr lang="en-US" altLang="zh-CN" sz="1000" dirty="0"/>
+          </a:p>
+          <a:p>
+            <a:pPr marL="0" indent="0" hangingPunct="0">
+              <a:buNone/>
+            </a:pPr>
+            <a:endParaRPr lang="en-US" altLang="zh-CN" sz="1000" dirty="0"/>
+          </a:p>
+          <a:p>
+            <a:pPr marL="0" indent="0" hangingPunct="0">
+              <a:buNone/>
+            </a:pPr>
+            <a:endParaRPr lang="en-US" altLang="zh-CN" sz="1000" dirty="0"/>
+          </a:p>
+          <a:p>
+            <a:pPr marL="0" indent="0" hangingPunct="0">
+              <a:buNone/>
+            </a:pPr>
+            <a:endParaRPr lang="en-US" altLang="zh-CN" sz="1000" dirty="0"/>
+          </a:p>
+          <a:p>
+            <a:pPr marL="0" indent="0" hangingPunct="0">
+              <a:buNone/>
+            </a:pPr>
+            <a:endParaRPr lang="en-US" altLang="zh-CN" sz="1000" dirty="0"/>
+          </a:p>
+          <a:p>
+            <a:pPr marL="0" indent="0" hangingPunct="0">
+              <a:buNone/>
+            </a:pPr>
+            <a:endParaRPr lang="en-US" altLang="zh-CN" sz="1000" dirty="0"/>
+          </a:p>
+          <a:p>
+            <a:pPr marL="0" indent="0" hangingPunct="0">
+              <a:buNone/>
+            </a:pPr>
+            <a:endParaRPr lang="en-US" altLang="zh-CN" sz="1000" dirty="0"/>
+          </a:p>
+          <a:p>
+            <a:pPr marL="0" indent="0" hangingPunct="0">
+              <a:buNone/>
+            </a:pPr>
+            <a:endParaRPr lang="en-US" altLang="zh-CN" sz="1000" dirty="0"/>
+          </a:p>
+          <a:p>
+            <a:pPr marL="0" indent="0" hangingPunct="0">
+              <a:buNone/>
+            </a:pPr>
+            <a:endParaRPr lang="en-US" altLang="zh-CN" sz="1000" dirty="0"/>
+          </a:p>
+          <a:p>
+            <a:pPr marL="0" indent="0" hangingPunct="0">
+              <a:buNone/>
+            </a:pPr>
+            <a:endParaRPr lang="en-US" altLang="zh-CN" sz="1000" dirty="0"/>
+          </a:p>
+          <a:p>
+            <a:pPr marL="0" indent="0" hangingPunct="0">
+              <a:buNone/>
+            </a:pPr>
+            <a:endParaRPr lang="en-US" altLang="zh-CN" sz="1000" dirty="0"/>
+          </a:p>
+          <a:p>
+            <a:pPr hangingPunct="0"/>
+            <a:endParaRPr lang="en-GB" altLang="zh-CN" sz="1000" dirty="0"/>
+          </a:p>
+          <a:p>
+            <a:endParaRPr lang="en-US" sz="1600" dirty="0"/>
+          </a:p>
+        </p:txBody>
+      </p:sp>
+      <p:sp>
+        <p:nvSpPr>
+          <p:cNvPr id="3" name="Title 2"/>
+          <p:cNvSpPr>
+            <a:spLocks noGrp="1"/>
+          </p:cNvSpPr>
+          <p:nvPr>
+            <p:ph type="title"/>
+          </p:nvPr>
+        </p:nvSpPr>
+        <p:spPr/>
+        <p:txBody>
+          <a:bodyPr/>
+          <a:lstStyle/>
+          <a:p>
+            <a:r>
+              <a:rPr lang="en-US" altLang="zh-CN" dirty="0" smtClean="0"/>
+              <a:t>LTE</a:t>
+            </a:r>
+            <a:r>
+              <a:rPr lang="zh-CN" altLang="en-US" dirty="0" smtClean="0"/>
+              <a:t>信令流程</a:t>
+            </a:r>
+            <a:r>
+              <a:rPr lang="en-US" altLang="zh-CN" dirty="0"/>
+              <a:t/>
+            </a:r>
+            <a:br>
+              <a:rPr lang="en-US" altLang="zh-CN" dirty="0"/>
+            </a:br>
+            <a:r>
+              <a:rPr lang="en-US" altLang="zh-CN" dirty="0"/>
+              <a:t/>
+            </a:r>
+            <a:br>
+              <a:rPr lang="en-US" altLang="zh-CN" dirty="0"/>
+            </a:br>
+            <a:r>
+              <a:rPr lang="en-US" dirty="0"/>
+              <a:t/>
+            </a:r>
+            <a:br>
+              <a:rPr lang="en-US" dirty="0"/>
+            </a:br>
+            <a:r>
+              <a:rPr lang="en-US" dirty="0"/>
+              <a:t/>
+            </a:r>
+            <a:br>
+              <a:rPr lang="en-US" dirty="0"/>
+            </a:br>
+            <a:r>
+              <a:rPr lang="en-US" dirty="0"/>
+              <a:t/>
+            </a:r>
+            <a:br>
+              <a:rPr lang="en-US" dirty="0"/>
+            </a:br>
+            <a:r>
+              <a:rPr lang="en-US" dirty="0"/>
+              <a:t/>
+            </a:r>
+            <a:br>
+              <a:rPr lang="en-US" dirty="0"/>
+            </a:br>
+            <a:r>
+              <a:rPr lang="en-US" dirty="0"/>
+              <a:t/>
+            </a:r>
+            <a:br>
+              <a:rPr lang="en-US" dirty="0"/>
+            </a:br>
+            <a:r>
+              <a:rPr lang="en-US" dirty="0"/>
+              <a:t/>
+            </a:r>
+            <a:br>
+              <a:rPr lang="en-US" dirty="0"/>
+            </a:br>
+            <a:r>
+              <a:rPr lang="en-US" dirty="0"/>
+              <a:t/>
+            </a:r>
+            <a:br>
+              <a:rPr lang="en-US" dirty="0"/>
+            </a:br>
+            <a:r>
+              <a:rPr lang="en-US" dirty="0"/>
+              <a:t/>
+            </a:r>
+            <a:br>
+              <a:rPr lang="en-US" dirty="0"/>
+            </a:br>
+            <a:r>
+              <a:rPr lang="en-US" dirty="0"/>
+              <a:t/>
+            </a:r>
+            <a:br>
+              <a:rPr lang="en-US" dirty="0"/>
+            </a:br>
+            <a:r>
+              <a:rPr lang="en-US" dirty="0"/>
+              <a:t/>
+            </a:r>
+            <a:br>
+              <a:rPr lang="en-US" dirty="0"/>
+            </a:br>
+            <a:endParaRPr lang="en-US" dirty="0"/>
+          </a:p>
+        </p:txBody>
+      </p:sp>
+      <p:sp>
+        <p:nvSpPr>
+          <p:cNvPr id="5" name="Footer Placeholder 4"/>
+          <p:cNvSpPr>
+            <a:spLocks noGrp="1"/>
+          </p:cNvSpPr>
+          <p:nvPr>
+            <p:ph type="ftr" sz="quarter" idx="14"/>
+          </p:nvPr>
+        </p:nvSpPr>
+        <p:spPr/>
+        <p:txBody>
+          <a:bodyPr/>
+          <a:lstStyle/>
+          <a:p>
+            <a:pPr algn="l"/>
+            <a:r>
+              <a:rPr lang="en-US" noProof="0" dirty="0">
+                <a:solidFill>
+                  <a:schemeClr val="bg2"/>
+                </a:solidFill>
+                <a:cs typeface="Arial" charset="0"/>
+              </a:rPr>
+              <a:t>&lt;Change information classification in footer&gt;</a:t>
+            </a:r>
+          </a:p>
+        </p:txBody>
+      </p:sp>
+      <p:sp>
+        <p:nvSpPr>
+          <p:cNvPr id="8194" name="Rectangle 2"/>
+          <p:cNvSpPr>
+            <a:spLocks noChangeArrowheads="1"/>
+          </p:cNvSpPr>
+          <p:nvPr/>
+        </p:nvSpPr>
+        <p:spPr bwMode="auto">
+          <a:xfrm>
+            <a:off x="0" y="0"/>
+            <a:ext cx="9144000" cy="0"/>
+          </a:xfrm>
+          <a:prstGeom prst="rect">
+            <a:avLst/>
+          </a:prstGeom>
+          <a:noFill/>
+          <a:ln w="9525">
+            <a:noFill/>
+            <a:miter lim="800000"/>
+            <a:headEnd/>
+            <a:tailEnd/>
+          </a:ln>
+          <a:effectLst/>
+        </p:spPr>
+        <p:txBody>
+          <a:bodyPr vert="horz" wrap="none" lIns="91440" tIns="45720" rIns="91440" bIns="45720" numCol="1" anchor="ctr" anchorCtr="0" compatLnSpc="1">
+            <a:prstTxWarp prst="textNoShape">
+              <a:avLst/>
+            </a:prstTxWarp>
+            <a:spAutoFit/>
+          </a:bodyPr>
+          <a:lstStyle/>
+          <a:p>
+            <a:endParaRPr lang="zh-CN" altLang="en-US"/>
+          </a:p>
+        </p:txBody>
+      </p:sp>
+      <p:sp>
+        <p:nvSpPr>
+          <p:cNvPr id="4" name="Content Placeholder 3"/>
+          <p:cNvSpPr>
+            <a:spLocks noGrp="1"/>
+          </p:cNvSpPr>
+          <p:nvPr>
+            <p:ph sz="quarter" idx="13"/>
+          </p:nvPr>
+        </p:nvSpPr>
+        <p:spPr/>
+        <p:txBody>
+          <a:bodyPr/>
+          <a:lstStyle/>
+          <a:p>
+            <a:r>
+              <a:rPr lang="en-US" altLang="zh-CN" dirty="0" smtClean="0"/>
+              <a:t>LTE</a:t>
+            </a:r>
+            <a:r>
+              <a:rPr lang="zh-CN" altLang="en-US" dirty="0" smtClean="0"/>
+              <a:t>信令</a:t>
+            </a:r>
+            <a:r>
+              <a:rPr lang="zh-CN" altLang="en-US" dirty="0" smtClean="0"/>
+              <a:t>承载</a:t>
+            </a:r>
+            <a:endParaRPr lang="zh-CN" altLang="en-US" dirty="0"/>
+          </a:p>
+        </p:txBody>
+      </p:sp>
+      <p:pic>
+        <p:nvPicPr>
+          <p:cNvPr id="1026" name="Picture 2"/>
+          <p:cNvPicPr>
+            <a:picLocks noChangeAspect="1" noChangeArrowheads="1"/>
+          </p:cNvPicPr>
+          <p:nvPr/>
+        </p:nvPicPr>
+        <p:blipFill>
+          <a:blip r:embed="rId3"/>
+          <a:srcRect/>
+          <a:stretch>
+            <a:fillRect/>
+          </a:stretch>
+        </p:blipFill>
+        <p:spPr bwMode="auto">
+          <a:xfrm>
+            <a:off x="238853" y="902739"/>
+            <a:ext cx="4321175" cy="3406775"/>
+          </a:xfrm>
+          <a:prstGeom prst="rect">
+            <a:avLst/>
+          </a:prstGeom>
+          <a:noFill/>
+          <a:ln w="9525">
+            <a:noFill/>
+            <a:miter lim="800000"/>
+            <a:headEnd/>
+            <a:tailEnd/>
+          </a:ln>
+        </p:spPr>
+      </p:pic>
+    </p:spTree>
+    <p:extLst>
+      <p:ext uri="{BB962C8B-B14F-4D97-AF65-F5344CB8AC3E}">
+        <p14:creationId xmlns:p14="http://schemas.microsoft.com/office/powerpoint/2010/main" xmlns="" val="1711238898"/>
+      </p:ext>
+    </p:extLst>
+  </p:cSld>
+  <p:clrMapOvr>
+    <a:masterClrMapping/>
+  </p:clrMapOvr>
+  <p:timing>
+    <p:tnLst>
+      <p:par>
+        <p:cTn id="1" dur="indefinite" restart="never" nodeType="tmRoot"/>
+      </p:par>
+    </p:tnLst>
+  </p:timing>
+</p:sld>
+</file>
+
+<file path=ppt/slides/slide11.xml><?xml version="1.0" encoding="utf-8"?>
 <p:sld xmlns:a="http://schemas.openxmlformats.org/drawingml/2006/main" xmlns:r="http://schemas.openxmlformats.org/officeDocument/2006/relationships" xmlns:p="http://schemas.openxmlformats.org/presentationml/2006/main">
   <p:cSld>
     <p:spTree>
@@ -8244,218 +8710,9 @@
     </p:spTree>
     <p:extLst>
       <p:ext uri="{BB962C8B-B14F-4D97-AF65-F5344CB8AC3E}">
-        <p14:creationId xmlns="" xmlns:p14="http://schemas.microsoft.com/office/powerpoint/2010/main" val="1711238898"/>
+        <p14:creationId xmlns:p14="http://schemas.microsoft.com/office/powerpoint/2010/main" xmlns="" val="1711238898"/>
       </p:ext>
     </p:extLst>
-  </p:cSld>
-  <p:clrMapOvr>
-    <a:masterClrMapping/>
-  </p:clrMapOvr>
-  <p:timing>
-    <p:tnLst>
-      <p:par>
-        <p:cTn id="1" dur="indefinite" restart="never" nodeType="tmRoot"/>
-      </p:par>
-    </p:tnLst>
-  </p:timing>
-</p:sld>
-</file>
-
-<file path=ppt/slides/slide11.xml><?xml version="1.0" encoding="utf-8"?>
-<p:sld xmlns:a="http://schemas.openxmlformats.org/drawingml/2006/main" xmlns:r="http://schemas.openxmlformats.org/officeDocument/2006/relationships" xmlns:p="http://schemas.openxmlformats.org/presentationml/2006/main">
-  <p:cSld>
-    <p:spTree>
-      <p:nvGrpSpPr>
-        <p:cNvPr id="1" name=""/>
-        <p:cNvGrpSpPr/>
-        <p:nvPr/>
-      </p:nvGrpSpPr>
-      <p:grpSpPr>
-        <a:xfrm>
-          <a:off x="0" y="0"/>
-          <a:ext cx="0" cy="0"/>
-          <a:chOff x="0" y="0"/>
-          <a:chExt cx="0" cy="0"/>
-        </a:xfrm>
-      </p:grpSpPr>
-      <p:sp>
-        <p:nvSpPr>
-          <p:cNvPr id="2" name="Content Placeholder 1"/>
-          <p:cNvSpPr>
-            <a:spLocks noGrp="1"/>
-          </p:cNvSpPr>
-          <p:nvPr>
-            <p:ph idx="1"/>
-          </p:nvPr>
-        </p:nvSpPr>
-        <p:spPr/>
-        <p:txBody>
-          <a:bodyPr/>
-          <a:lstStyle/>
-          <a:p>
-            <a:r>
-              <a:rPr lang="en-GB" altLang="zh-CN" sz="1000" dirty="0"/>
-              <a:t>EPS	Evolved Packet System (</a:t>
-            </a:r>
-            <a:r>
-              <a:rPr lang="en-US" altLang="zh-CN" sz="1000" dirty="0"/>
-              <a:t>EPS = EPC + E-UTRAN)</a:t>
-            </a:r>
-            <a:endParaRPr lang="en-GB" altLang="zh-CN" sz="1000" dirty="0"/>
-          </a:p>
-          <a:p>
-            <a:r>
-              <a:rPr lang="en-GB" altLang="zh-CN" sz="1000" dirty="0"/>
-              <a:t>EPC	Evolved Packet Core</a:t>
-            </a:r>
-          </a:p>
-          <a:p>
-            <a:r>
-              <a:rPr lang="en-GB" altLang="zh-CN" sz="1000" dirty="0"/>
-              <a:t>E-UTRAN	Evolved UTRAN (UTRAN=Universal Terrestrial Radio Access Network)</a:t>
-            </a:r>
-            <a:r>
-              <a:rPr lang="en-US" altLang="zh-CN" sz="1000" dirty="0"/>
-              <a:t>  </a:t>
-            </a:r>
-            <a:endParaRPr lang="en-US" sz="1000" dirty="0"/>
-          </a:p>
-          <a:p>
-            <a:r>
-              <a:rPr lang="x-none" altLang="zh-CN" sz="1000" dirty="0"/>
-              <a:t>eNB	E-UTRAN NodeB</a:t>
-            </a:r>
-            <a:endParaRPr lang="zh-CN" altLang="zh-CN" sz="1000" dirty="0"/>
-          </a:p>
-          <a:p>
-            <a:r>
-              <a:rPr lang="en-GB" altLang="zh-CN" sz="1000" dirty="0"/>
-              <a:t>P-GW	PDN Gateway (PDN=Packet Data Network)</a:t>
-            </a:r>
-          </a:p>
-          <a:p>
-            <a:r>
-              <a:rPr lang="en-US" altLang="zh-CN" sz="1000" dirty="0"/>
-              <a:t>PCRF          Policy and Charging Rules Function</a:t>
-            </a:r>
-            <a:endParaRPr lang="en-GB" altLang="zh-CN" sz="1000" dirty="0"/>
-          </a:p>
-          <a:p>
-            <a:r>
-              <a:rPr lang="x-none" altLang="zh-CN" sz="1000" dirty="0"/>
-              <a:t>S-GW	Serving GateWay</a:t>
-            </a:r>
-            <a:endParaRPr lang="en-US" altLang="zh-CN" sz="1000" dirty="0"/>
-          </a:p>
-          <a:p>
-            <a:r>
-              <a:rPr lang="en-US" altLang="zh-CN" sz="1000" dirty="0"/>
-              <a:t>SAE            System Architecture Evolution</a:t>
-            </a:r>
-          </a:p>
-          <a:p>
-            <a:r>
-              <a:rPr lang="en-GB" altLang="zh-CN" sz="1000" dirty="0"/>
-              <a:t>MME	Mobility Management Entity</a:t>
-            </a:r>
-            <a:endParaRPr lang="zh-CN" altLang="zh-CN" sz="1000" dirty="0"/>
-          </a:p>
-          <a:p>
-            <a:endParaRPr lang="en-US" sz="1600" dirty="0"/>
-          </a:p>
-          <a:p>
-            <a:endParaRPr lang="en-US" sz="1600" dirty="0"/>
-          </a:p>
-        </p:txBody>
-      </p:sp>
-      <p:sp>
-        <p:nvSpPr>
-          <p:cNvPr id="3" name="Title 2"/>
-          <p:cNvSpPr>
-            <a:spLocks noGrp="1"/>
-          </p:cNvSpPr>
-          <p:nvPr>
-            <p:ph type="title"/>
-          </p:nvPr>
-        </p:nvSpPr>
-        <p:spPr/>
-        <p:txBody>
-          <a:bodyPr/>
-          <a:lstStyle/>
-          <a:p>
-            <a:r>
-              <a:rPr lang="zh-CN" altLang="en-US" dirty="0"/>
-              <a:t>缩略语</a:t>
-            </a:r>
-            <a:r>
-              <a:rPr lang="en-GB" altLang="zh-CN" dirty="0"/>
-              <a:t> </a:t>
-            </a:r>
-            <a:r>
-              <a:rPr lang="en-US" dirty="0"/>
-              <a:t/>
-            </a:r>
-            <a:br>
-              <a:rPr lang="en-US" dirty="0"/>
-            </a:br>
-            <a:endParaRPr lang="en-US" dirty="0"/>
-          </a:p>
-        </p:txBody>
-      </p:sp>
-      <p:sp>
-        <p:nvSpPr>
-          <p:cNvPr id="4" name="Content Placeholder 3"/>
-          <p:cNvSpPr>
-            <a:spLocks noGrp="1"/>
-          </p:cNvSpPr>
-          <p:nvPr>
-            <p:ph sz="quarter" idx="13"/>
-          </p:nvPr>
-        </p:nvSpPr>
-        <p:spPr/>
-        <p:txBody>
-          <a:bodyPr/>
-          <a:lstStyle/>
-          <a:p>
-            <a:endParaRPr lang="en-US"/>
-          </a:p>
-        </p:txBody>
-      </p:sp>
-      <p:sp>
-        <p:nvSpPr>
-          <p:cNvPr id="5" name="Footer Placeholder 4"/>
-          <p:cNvSpPr>
-            <a:spLocks noGrp="1"/>
-          </p:cNvSpPr>
-          <p:nvPr>
-            <p:ph type="ftr" sz="quarter" idx="14"/>
-          </p:nvPr>
-        </p:nvSpPr>
-        <p:spPr/>
-        <p:txBody>
-          <a:bodyPr/>
-          <a:lstStyle/>
-          <a:p>
-            <a:pPr algn="l"/>
-            <a:r>
-              <a:rPr lang="en-US" noProof="0">
-                <a:solidFill>
-                  <a:schemeClr val="bg2"/>
-                </a:solidFill>
-                <a:cs typeface="Arial" charset="0"/>
-              </a:rPr>
-              <a:t>&lt;Change information classification in footer&gt;</a:t>
-            </a:r>
-            <a:endParaRPr lang="en-US" noProof="0" dirty="0">
-              <a:solidFill>
-                <a:schemeClr val="bg2"/>
-              </a:solidFill>
-              <a:cs typeface="Arial" charset="0"/>
-            </a:endParaRPr>
-          </a:p>
-        </p:txBody>
-      </p:sp>
-    </p:spTree>
   </p:cSld>
   <p:clrMapOvr>
     <a:masterClrMapping/>
@@ -8503,19 +8760,74 @@
           <a:lstStyle/>
           <a:p>
             <a:r>
-              <a:rPr lang="en-US" altLang="zh-CN" sz="1000" dirty="0">
-                <a:hlinkClick r:id="rId2"/>
-              </a:rPr>
-              <a:t>http://www.3gpp.org/DynaReport/36-series.htm</a:t>
+              <a:rPr lang="en-GB" altLang="zh-CN" sz="1000" dirty="0"/>
+              <a:t>EPS	Evolved Packet System (</a:t>
+            </a:r>
+            <a:r>
+              <a:rPr lang="en-US" altLang="zh-CN" sz="1000" dirty="0"/>
+              <a:t>EPS = EPC + E-UTRAN)</a:t>
+            </a:r>
+            <a:endParaRPr lang="en-GB" altLang="zh-CN" sz="1000" dirty="0"/>
+          </a:p>
+          <a:p>
+            <a:r>
+              <a:rPr lang="en-GB" altLang="zh-CN" sz="1000" dirty="0"/>
+              <a:t>EPC	Evolved Packet Core</a:t>
+            </a:r>
+          </a:p>
+          <a:p>
+            <a:r>
+              <a:rPr lang="en-GB" altLang="zh-CN" sz="1000" dirty="0"/>
+              <a:t>E-UTRAN	Evolved UTRAN (UTRAN=Universal Terrestrial Radio Access Network)</a:t>
+            </a:r>
+            <a:r>
+              <a:rPr lang="en-US" altLang="zh-CN" sz="1000" dirty="0"/>
+              <a:t>  </a:t>
+            </a:r>
+            <a:endParaRPr lang="en-US" sz="1000" dirty="0"/>
+          </a:p>
+          <a:p>
+            <a:r>
+              <a:rPr lang="x-none" altLang="zh-CN" sz="1000" dirty="0"/>
+              <a:t>eNB	E-UTRAN NodeB</a:t>
+            </a:r>
+            <a:endParaRPr lang="zh-CN" altLang="zh-CN" sz="1000" dirty="0"/>
+          </a:p>
+          <a:p>
+            <a:r>
+              <a:rPr lang="en-GB" altLang="zh-CN" sz="1000" dirty="0"/>
+              <a:t>P-GW	PDN Gateway (PDN=Packet Data Network)</a:t>
+            </a:r>
+          </a:p>
+          <a:p>
+            <a:r>
+              <a:rPr lang="en-US" altLang="zh-CN" sz="1000" dirty="0"/>
+              <a:t>PCRF          Policy and Charging Rules Function</a:t>
+            </a:r>
+            <a:endParaRPr lang="en-GB" altLang="zh-CN" sz="1000" dirty="0"/>
+          </a:p>
+          <a:p>
+            <a:r>
+              <a:rPr lang="x-none" altLang="zh-CN" sz="1000" dirty="0"/>
+              <a:t>S-GW	Serving GateWay</a:t>
             </a:r>
             <a:endParaRPr lang="en-US" altLang="zh-CN" sz="1000" dirty="0"/>
           </a:p>
           <a:p>
             <a:r>
               <a:rPr lang="en-US" altLang="zh-CN" sz="1000" dirty="0"/>
-              <a:t>TS 36.300 Evolved Universal Terrestrial Radio Access (E-UTRA) and Evolved Universal Terrestrial Radio Access Network (E-UTRAN); Overall description; Stage 2 </a:t>
-            </a:r>
-            <a:endParaRPr lang="en-US" sz="800" dirty="0"/>
+              <a:t>SAE            System Architecture Evolution</a:t>
+            </a:r>
+          </a:p>
+          <a:p>
+            <a:r>
+              <a:rPr lang="en-GB" altLang="zh-CN" sz="1000" dirty="0"/>
+              <a:t>MME	Mobility Management Entity</a:t>
+            </a:r>
+            <a:endParaRPr lang="zh-CN" altLang="zh-CN" sz="1000" dirty="0"/>
+          </a:p>
+          <a:p>
+            <a:endParaRPr lang="en-US" sz="1600" dirty="0"/>
           </a:p>
           <a:p>
             <a:endParaRPr lang="en-US" sz="1600" dirty="0"/>
@@ -8539,7 +8851,11 @@
           <a:p>
             <a:r>
               <a:rPr lang="zh-CN" altLang="en-US" dirty="0"/>
-              <a:t>参考文献</a:t>
+              <a:t>缩略语</a:t>
+            </a:r>
+            <a:r>
+              <a:rPr lang="en-GB" altLang="zh-CN" dirty="0"/>
+              <a:t> </a:t>
             </a:r>
             <a:r>
               <a:rPr lang="en-US" dirty="0"/>
@@ -8621,6 +8937,156 @@
 </file>
 
 <file path=ppt/slides/slide13.xml><?xml version="1.0" encoding="utf-8"?>
+<p:sld xmlns:a="http://schemas.openxmlformats.org/drawingml/2006/main" xmlns:r="http://schemas.openxmlformats.org/officeDocument/2006/relationships" xmlns:p="http://schemas.openxmlformats.org/presentationml/2006/main">
+  <p:cSld>
+    <p:spTree>
+      <p:nvGrpSpPr>
+        <p:cNvPr id="1" name=""/>
+        <p:cNvGrpSpPr/>
+        <p:nvPr/>
+      </p:nvGrpSpPr>
+      <p:grpSpPr>
+        <a:xfrm>
+          <a:off x="0" y="0"/>
+          <a:ext cx="0" cy="0"/>
+          <a:chOff x="0" y="0"/>
+          <a:chExt cx="0" cy="0"/>
+        </a:xfrm>
+      </p:grpSpPr>
+      <p:sp>
+        <p:nvSpPr>
+          <p:cNvPr id="2" name="Content Placeholder 1"/>
+          <p:cNvSpPr>
+            <a:spLocks noGrp="1"/>
+          </p:cNvSpPr>
+          <p:nvPr>
+            <p:ph idx="1"/>
+          </p:nvPr>
+        </p:nvSpPr>
+        <p:spPr/>
+        <p:txBody>
+          <a:bodyPr/>
+          <a:lstStyle/>
+          <a:p>
+            <a:r>
+              <a:rPr lang="en-US" altLang="zh-CN" sz="1000" dirty="0">
+                <a:hlinkClick r:id="rId2"/>
+              </a:rPr>
+              <a:t>http://www.3gpp.org/DynaReport/36-series.htm</a:t>
+            </a:r>
+            <a:endParaRPr lang="en-US" altLang="zh-CN" sz="1000" dirty="0"/>
+          </a:p>
+          <a:p>
+            <a:r>
+              <a:rPr lang="en-US" altLang="zh-CN" sz="1000" dirty="0"/>
+              <a:t>TS 36.300 Evolved Universal Terrestrial Radio Access (E-UTRA) and Evolved Universal Terrestrial Radio Access Network (E-UTRAN); Overall description; Stage 2 </a:t>
+            </a:r>
+            <a:endParaRPr lang="en-US" sz="800" dirty="0"/>
+          </a:p>
+          <a:p>
+            <a:endParaRPr lang="en-US" sz="1600" dirty="0"/>
+          </a:p>
+        </p:txBody>
+      </p:sp>
+      <p:sp>
+        <p:nvSpPr>
+          <p:cNvPr id="3" name="Title 2"/>
+          <p:cNvSpPr>
+            <a:spLocks noGrp="1"/>
+          </p:cNvSpPr>
+          <p:nvPr>
+            <p:ph type="title"/>
+          </p:nvPr>
+        </p:nvSpPr>
+        <p:spPr/>
+        <p:txBody>
+          <a:bodyPr/>
+          <a:lstStyle/>
+          <a:p>
+            <a:r>
+              <a:rPr lang="zh-CN" altLang="en-US" dirty="0"/>
+              <a:t>参考文献</a:t>
+            </a:r>
+            <a:r>
+              <a:rPr lang="en-US" dirty="0"/>
+              <a:t/>
+            </a:r>
+            <a:br>
+              <a:rPr lang="en-US" dirty="0"/>
+            </a:br>
+            <a:endParaRPr lang="en-US" dirty="0"/>
+          </a:p>
+        </p:txBody>
+      </p:sp>
+      <p:sp>
+        <p:nvSpPr>
+          <p:cNvPr id="4" name="Content Placeholder 3"/>
+          <p:cNvSpPr>
+            <a:spLocks noGrp="1"/>
+          </p:cNvSpPr>
+          <p:nvPr>
+            <p:ph sz="quarter" idx="13"/>
+          </p:nvPr>
+        </p:nvSpPr>
+        <p:spPr/>
+        <p:txBody>
+          <a:bodyPr/>
+          <a:lstStyle/>
+          <a:p>
+            <a:endParaRPr lang="en-US"/>
+          </a:p>
+        </p:txBody>
+      </p:sp>
+      <p:sp>
+        <p:nvSpPr>
+          <p:cNvPr id="5" name="Footer Placeholder 4"/>
+          <p:cNvSpPr>
+            <a:spLocks noGrp="1"/>
+          </p:cNvSpPr>
+          <p:nvPr>
+            <p:ph type="ftr" sz="quarter" idx="14"/>
+          </p:nvPr>
+        </p:nvSpPr>
+        <p:spPr/>
+        <p:txBody>
+          <a:bodyPr/>
+          <a:lstStyle/>
+          <a:p>
+            <a:pPr algn="l"/>
+            <a:r>
+              <a:rPr lang="en-US" noProof="0">
+                <a:solidFill>
+                  <a:schemeClr val="bg2"/>
+                </a:solidFill>
+                <a:cs typeface="Arial" charset="0"/>
+              </a:rPr>
+              <a:t>&lt;Change information classification in footer&gt;</a:t>
+            </a:r>
+            <a:endParaRPr lang="en-US" noProof="0" dirty="0">
+              <a:solidFill>
+                <a:schemeClr val="bg2"/>
+              </a:solidFill>
+              <a:cs typeface="Arial" charset="0"/>
+            </a:endParaRPr>
+          </a:p>
+        </p:txBody>
+      </p:sp>
+    </p:spTree>
+  </p:cSld>
+  <p:clrMapOvr>
+    <a:masterClrMapping/>
+  </p:clrMapOvr>
+  <p:timing>
+    <p:tnLst>
+      <p:par>
+        <p:cTn id="1" dur="indefinite" restart="never" nodeType="tmRoot"/>
+      </p:par>
+    </p:tnLst>
+  </p:timing>
+</p:sld>
+</file>
+
+<file path=ppt/slides/slide14.xml><?xml version="1.0" encoding="utf-8"?>
 <p:sld xmlns:a="http://schemas.openxmlformats.org/drawingml/2006/main" xmlns:r="http://schemas.openxmlformats.org/officeDocument/2006/relationships" xmlns:p="http://schemas.openxmlformats.org/presentationml/2006/main">
   <p:cSld>
     <p:spTree>
@@ -8685,7 +9151,7 @@
 </p:sld>
 </file>
 
-<file path=ppt/slides/slide14.xml><?xml version="1.0" encoding="utf-8"?>
+<file path=ppt/slides/slide15.xml><?xml version="1.0" encoding="utf-8"?>
 <p:sld xmlns:a="http://schemas.openxmlformats.org/drawingml/2006/main" xmlns:r="http://schemas.openxmlformats.org/officeDocument/2006/relationships" xmlns:p="http://schemas.openxmlformats.org/presentationml/2006/main" show="0">
   <p:cSld>
     <p:spTree>
@@ -8756,7 +9222,7 @@
           <p:nvPr>
             <p:extLst>
               <p:ext uri="{D42A27DB-BD31-4B8C-83A1-F6EECF244321}">
-                <p14:modId xmlns="" xmlns:p14="http://schemas.microsoft.com/office/powerpoint/2010/main" val="4156476300"/>
+                <p14:modId xmlns:p14="http://schemas.microsoft.com/office/powerpoint/2010/main" xmlns="" val="4156476300"/>
               </p:ext>
             </p:extLst>
           </p:nvPr>
@@ -8775,70 +9241,70 @@
                 <a:gridCol w="640998">
                   <a:extLst>
                     <a:ext uri="{9D8B030D-6E8A-4147-A177-3AD203B41FA5}">
-                      <a16:colId xmlns="" xmlns:a16="http://schemas.microsoft.com/office/drawing/2014/main" val="20000"/>
+                      <a16:colId xmlns:a16="http://schemas.microsoft.com/office/drawing/2014/main" xmlns="" val="20000"/>
                     </a:ext>
                   </a:extLst>
                 </a:gridCol>
                 <a:gridCol w="1769302">
                   <a:extLst>
                     <a:ext uri="{9D8B030D-6E8A-4147-A177-3AD203B41FA5}">
-                      <a16:colId xmlns="" xmlns:a16="http://schemas.microsoft.com/office/drawing/2014/main" val="20001"/>
+                      <a16:colId xmlns:a16="http://schemas.microsoft.com/office/drawing/2014/main" xmlns="" val="20001"/>
                     </a:ext>
                   </a:extLst>
                 </a:gridCol>
                 <a:gridCol w="709301">
                   <a:extLst>
                     <a:ext uri="{9D8B030D-6E8A-4147-A177-3AD203B41FA5}">
-                      <a16:colId xmlns="" xmlns:a16="http://schemas.microsoft.com/office/drawing/2014/main" val="20002"/>
+                      <a16:colId xmlns:a16="http://schemas.microsoft.com/office/drawing/2014/main" xmlns="" val="20002"/>
                     </a:ext>
                   </a:extLst>
                 </a:gridCol>
                 <a:gridCol w="717847">
                   <a:extLst>
                     <a:ext uri="{9D8B030D-6E8A-4147-A177-3AD203B41FA5}">
-                      <a16:colId xmlns="" xmlns:a16="http://schemas.microsoft.com/office/drawing/2014/main" val="20003"/>
+                      <a16:colId xmlns:a16="http://schemas.microsoft.com/office/drawing/2014/main" xmlns="" val="20003"/>
                     </a:ext>
                   </a:extLst>
                 </a:gridCol>
                 <a:gridCol w="777667">
                   <a:extLst>
                     <a:ext uri="{9D8B030D-6E8A-4147-A177-3AD203B41FA5}">
-                      <a16:colId xmlns="" xmlns:a16="http://schemas.microsoft.com/office/drawing/2014/main" val="20004"/>
+                      <a16:colId xmlns:a16="http://schemas.microsoft.com/office/drawing/2014/main" xmlns="" val="20004"/>
                     </a:ext>
                   </a:extLst>
                 </a:gridCol>
                 <a:gridCol w="623763">
                   <a:extLst>
                     <a:ext uri="{9D8B030D-6E8A-4147-A177-3AD203B41FA5}">
-                      <a16:colId xmlns="" xmlns:a16="http://schemas.microsoft.com/office/drawing/2014/main" val="20005"/>
+                      <a16:colId xmlns:a16="http://schemas.microsoft.com/office/drawing/2014/main" xmlns="" val="20005"/>
                     </a:ext>
                   </a:extLst>
                 </a:gridCol>
                 <a:gridCol w="1059759">
                   <a:extLst>
                     <a:ext uri="{9D8B030D-6E8A-4147-A177-3AD203B41FA5}">
-                      <a16:colId xmlns="" xmlns:a16="http://schemas.microsoft.com/office/drawing/2014/main" val="20006"/>
+                      <a16:colId xmlns:a16="http://schemas.microsoft.com/office/drawing/2014/main" xmlns="" val="20006"/>
                     </a:ext>
                   </a:extLst>
                 </a:gridCol>
                 <a:gridCol w="803304">
                   <a:extLst>
                     <a:ext uri="{9D8B030D-6E8A-4147-A177-3AD203B41FA5}">
-                      <a16:colId xmlns="" xmlns:a16="http://schemas.microsoft.com/office/drawing/2014/main" val="20007"/>
+                      <a16:colId xmlns:a16="http://schemas.microsoft.com/office/drawing/2014/main" xmlns="" val="20007"/>
                     </a:ext>
                   </a:extLst>
                 </a:gridCol>
                 <a:gridCol w="846034">
                   <a:extLst>
                     <a:ext uri="{9D8B030D-6E8A-4147-A177-3AD203B41FA5}">
-                      <a16:colId xmlns="" xmlns:a16="http://schemas.microsoft.com/office/drawing/2014/main" val="20008"/>
+                      <a16:colId xmlns:a16="http://schemas.microsoft.com/office/drawing/2014/main" xmlns="" val="20008"/>
                     </a:ext>
                   </a:extLst>
                 </a:gridCol>
                 <a:gridCol w="787746">
                   <a:extLst>
                     <a:ext uri="{9D8B030D-6E8A-4147-A177-3AD203B41FA5}">
-                      <a16:colId xmlns="" xmlns:a16="http://schemas.microsoft.com/office/drawing/2014/main" val="20009"/>
+                      <a16:colId xmlns:a16="http://schemas.microsoft.com/office/drawing/2014/main" xmlns="" val="20009"/>
                     </a:ext>
                   </a:extLst>
                 </a:gridCol>
@@ -9052,7 +9518,7 @@
                 </a:tc>
                 <a:extLst>
                   <a:ext uri="{0D108BD9-81ED-4DB2-BD59-A6C34878D82A}">
-                    <a16:rowId xmlns="" xmlns:a16="http://schemas.microsoft.com/office/drawing/2014/main" val="10000"/>
+                    <a16:rowId xmlns:a16="http://schemas.microsoft.com/office/drawing/2014/main" xmlns="" val="10000"/>
                   </a:ext>
                 </a:extLst>
               </a:tr>
@@ -9265,7 +9731,7 @@
                 </a:tc>
                 <a:extLst>
                   <a:ext uri="{0D108BD9-81ED-4DB2-BD59-A6C34878D82A}">
-                    <a16:rowId xmlns="" xmlns:a16="http://schemas.microsoft.com/office/drawing/2014/main" val="10001"/>
+                    <a16:rowId xmlns:a16="http://schemas.microsoft.com/office/drawing/2014/main" xmlns="" val="10001"/>
                   </a:ext>
                 </a:extLst>
               </a:tr>
@@ -9556,7 +10022,7 @@
                 </a:tc>
                 <a:extLst>
                   <a:ext uri="{0D108BD9-81ED-4DB2-BD59-A6C34878D82A}">
-                    <a16:rowId xmlns="" xmlns:a16="http://schemas.microsoft.com/office/drawing/2014/main" val="10002"/>
+                    <a16:rowId xmlns:a16="http://schemas.microsoft.com/office/drawing/2014/main" xmlns="" val="10002"/>
                   </a:ext>
                 </a:extLst>
               </a:tr>
@@ -9819,7 +10285,7 @@
                 </a:tc>
                 <a:extLst>
                   <a:ext uri="{0D108BD9-81ED-4DB2-BD59-A6C34878D82A}">
-                    <a16:rowId xmlns="" xmlns:a16="http://schemas.microsoft.com/office/drawing/2014/main" val="10003"/>
+                    <a16:rowId xmlns:a16="http://schemas.microsoft.com/office/drawing/2014/main" xmlns="" val="10003"/>
                   </a:ext>
                 </a:extLst>
               </a:tr>
@@ -10132,7 +10598,7 @@
                 </a:tc>
                 <a:extLst>
                   <a:ext uri="{0D108BD9-81ED-4DB2-BD59-A6C34878D82A}">
-                    <a16:rowId xmlns="" xmlns:a16="http://schemas.microsoft.com/office/drawing/2014/main" val="10004"/>
+                    <a16:rowId xmlns:a16="http://schemas.microsoft.com/office/drawing/2014/main" xmlns="" val="10004"/>
                   </a:ext>
                 </a:extLst>
               </a:tr>
@@ -10445,7 +10911,7 @@
                 </a:tc>
                 <a:extLst>
                   <a:ext uri="{0D108BD9-81ED-4DB2-BD59-A6C34878D82A}">
-                    <a16:rowId xmlns="" xmlns:a16="http://schemas.microsoft.com/office/drawing/2014/main" val="10005"/>
+                    <a16:rowId xmlns:a16="http://schemas.microsoft.com/office/drawing/2014/main" xmlns="" val="10005"/>
                   </a:ext>
                 </a:extLst>
               </a:tr>
@@ -10742,7 +11208,7 @@
                 </a:tc>
                 <a:extLst>
                   <a:ext uri="{0D108BD9-81ED-4DB2-BD59-A6C34878D82A}">
-                    <a16:rowId xmlns="" xmlns:a16="http://schemas.microsoft.com/office/drawing/2014/main" val="10006"/>
+                    <a16:rowId xmlns:a16="http://schemas.microsoft.com/office/drawing/2014/main" xmlns="" val="10006"/>
                   </a:ext>
                 </a:extLst>
               </a:tr>
@@ -11054,7 +11520,7 @@
                 </a:tc>
                 <a:extLst>
                   <a:ext uri="{0D108BD9-81ED-4DB2-BD59-A6C34878D82A}">
-                    <a16:rowId xmlns="" xmlns:a16="http://schemas.microsoft.com/office/drawing/2014/main" val="10007"/>
+                    <a16:rowId xmlns:a16="http://schemas.microsoft.com/office/drawing/2014/main" xmlns="" val="10007"/>
                   </a:ext>
                 </a:extLst>
               </a:tr>
@@ -11345,7 +11811,7 @@
                 </a:tc>
                 <a:extLst>
                   <a:ext uri="{0D108BD9-81ED-4DB2-BD59-A6C34878D82A}">
-                    <a16:rowId xmlns="" xmlns:a16="http://schemas.microsoft.com/office/drawing/2014/main" val="10008"/>
+                    <a16:rowId xmlns:a16="http://schemas.microsoft.com/office/drawing/2014/main" xmlns="" val="10008"/>
                   </a:ext>
                 </a:extLst>
               </a:tr>
@@ -11619,7 +12085,7 @@
                 </a:tc>
                 <a:extLst>
                   <a:ext uri="{0D108BD9-81ED-4DB2-BD59-A6C34878D82A}">
-                    <a16:rowId xmlns="" xmlns:a16="http://schemas.microsoft.com/office/drawing/2014/main" val="10009"/>
+                    <a16:rowId xmlns:a16="http://schemas.microsoft.com/office/drawing/2014/main" xmlns="" val="10009"/>
                   </a:ext>
                 </a:extLst>
               </a:tr>
@@ -11893,7 +12359,7 @@
                 </a:tc>
                 <a:extLst>
                   <a:ext uri="{0D108BD9-81ED-4DB2-BD59-A6C34878D82A}">
-                    <a16:rowId xmlns="" xmlns:a16="http://schemas.microsoft.com/office/drawing/2014/main" val="10010"/>
+                    <a16:rowId xmlns:a16="http://schemas.microsoft.com/office/drawing/2014/main" xmlns="" val="10010"/>
                   </a:ext>
                 </a:extLst>
               </a:tr>
@@ -11972,42 +12438,14 @@
           <a:p>
             <a:r>
               <a:rPr lang="zh-CN" altLang="en-US" sz="1600" dirty="0" smtClean="0"/>
-              <a:t>终</a:t>
-            </a:r>
+              <a:t>终端待机状态下的行为</a:t>
+            </a:r>
+            <a:endParaRPr lang="en-US" altLang="zh-CN" sz="1600" dirty="0"/>
+          </a:p>
+          <a:p>
             <a:r>
               <a:rPr lang="zh-CN" altLang="en-US" sz="1600" dirty="0" smtClean="0"/>
-              <a:t>端待机状</a:t>
-            </a:r>
-            <a:r>
-              <a:rPr lang="zh-CN" altLang="en-US" sz="1600" dirty="0" smtClean="0"/>
-              <a:t>态下的行</a:t>
-            </a:r>
-            <a:r>
-              <a:rPr lang="zh-CN" altLang="en-US" sz="1600" dirty="0" smtClean="0"/>
-              <a:t>为</a:t>
-            </a:r>
-            <a:endParaRPr lang="en-US" altLang="zh-CN" sz="1600" dirty="0"/>
-          </a:p>
-          <a:p>
-            <a:r>
-              <a:rPr lang="zh-CN" altLang="en-US" sz="1600" dirty="0" smtClean="0"/>
-              <a:t>终</a:t>
-            </a:r>
-            <a:r>
-              <a:rPr lang="zh-CN" altLang="en-US" sz="1600" dirty="0" smtClean="0"/>
-              <a:t>端联机</a:t>
-            </a:r>
-            <a:r>
-              <a:rPr lang="zh-CN" altLang="en-US" sz="1600" dirty="0" smtClean="0"/>
-              <a:t>状</a:t>
-            </a:r>
-            <a:r>
-              <a:rPr lang="zh-CN" altLang="en-US" sz="1600" dirty="0" smtClean="0"/>
-              <a:t>态下的行</a:t>
-            </a:r>
-            <a:r>
-              <a:rPr lang="zh-CN" altLang="en-US" sz="1600" dirty="0" smtClean="0"/>
-              <a:t>为</a:t>
+              <a:t>终端联机状态下的行为</a:t>
             </a:r>
             <a:endParaRPr lang="en-US" altLang="zh-CN" sz="1600" dirty="0"/>
           </a:p>
@@ -12197,11 +12635,7 @@
           <a:p>
             <a:r>
               <a:rPr lang="zh-CN" altLang="en-US" dirty="0" smtClean="0"/>
-              <a:t>终</a:t>
-            </a:r>
-            <a:r>
-              <a:rPr lang="zh-CN" altLang="en-US" dirty="0" smtClean="0"/>
-              <a:t>端待机状态行为</a:t>
+              <a:t>终端待机状态行为</a:t>
             </a:r>
             <a:r>
               <a:rPr lang="en-US" altLang="zh-CN" dirty="0" smtClean="0"/>
@@ -12525,15 +12959,7 @@
           <a:p>
             <a:r>
               <a:rPr lang="zh-CN" altLang="en-US" dirty="0" smtClean="0"/>
-              <a:t>终</a:t>
-            </a:r>
-            <a:r>
-              <a:rPr lang="zh-CN" altLang="en-US" dirty="0" smtClean="0"/>
-              <a:t>端待机状态行</a:t>
-            </a:r>
-            <a:r>
-              <a:rPr lang="zh-CN" altLang="en-US" dirty="0" smtClean="0"/>
-              <a:t>为</a:t>
+              <a:t>终端待机状态行为</a:t>
             </a:r>
             <a:r>
               <a:rPr lang="en-US" altLang="zh-CN" dirty="0" smtClean="0"/>
@@ -12896,7 +13322,7 @@
     </p:spTree>
     <p:extLst>
       <p:ext uri="{BB962C8B-B14F-4D97-AF65-F5344CB8AC3E}">
-        <p14:creationId xmlns="" xmlns:p14="http://schemas.microsoft.com/office/powerpoint/2010/main" val="3393719830"/>
+        <p14:creationId xmlns:p14="http://schemas.microsoft.com/office/powerpoint/2010/main" xmlns="" val="3393719830"/>
       </p:ext>
     </p:extLst>
   </p:cSld>
@@ -13028,6 +13454,12 @@
             <a:endParaRPr lang="en-US" altLang="zh-CN" sz="1000" dirty="0"/>
           </a:p>
           <a:p>
+            <a:pPr marL="0" indent="0" hangingPunct="0">
+              <a:buNone/>
+            </a:pPr>
+            <a:endParaRPr lang="en-US" altLang="zh-CN" sz="1000" dirty="0"/>
+          </a:p>
+          <a:p>
             <a:pPr hangingPunct="0"/>
             <a:endParaRPr lang="en-GB" altLang="zh-CN" sz="1000" dirty="0"/>
           </a:p>
@@ -13053,15 +13485,375 @@
           <a:p>
             <a:r>
               <a:rPr lang="zh-CN" altLang="en-US" dirty="0" smtClean="0"/>
-              <a:t>终</a:t>
+              <a:t>终端待机状态行为</a:t>
+            </a:r>
+            <a:r>
+              <a:rPr lang="en-US" altLang="zh-CN" dirty="0" smtClean="0"/>
+              <a:t>- </a:t>
             </a:r>
             <a:r>
               <a:rPr lang="zh-CN" altLang="en-US" dirty="0" smtClean="0"/>
-              <a:t>端待机状态行</a:t>
-            </a:r>
+              <a:t>小区广播机制</a:t>
+            </a:r>
+            <a:r>
+              <a:rPr lang="en-US" altLang="zh-CN" dirty="0"/>
+              <a:t/>
+            </a:r>
+            <a:br>
+              <a:rPr lang="en-US" altLang="zh-CN" dirty="0"/>
+            </a:br>
+            <a:r>
+              <a:rPr lang="en-US" dirty="0"/>
+              <a:t/>
+            </a:r>
+            <a:br>
+              <a:rPr lang="en-US" dirty="0"/>
+            </a:br>
+            <a:r>
+              <a:rPr lang="en-US" dirty="0"/>
+              <a:t/>
+            </a:r>
+            <a:br>
+              <a:rPr lang="en-US" dirty="0"/>
+            </a:br>
+            <a:r>
+              <a:rPr lang="en-US" dirty="0"/>
+              <a:t/>
+            </a:r>
+            <a:br>
+              <a:rPr lang="en-US" dirty="0"/>
+            </a:br>
+            <a:r>
+              <a:rPr lang="en-US" dirty="0"/>
+              <a:t/>
+            </a:r>
+            <a:br>
+              <a:rPr lang="en-US" dirty="0"/>
+            </a:br>
+            <a:r>
+              <a:rPr lang="en-US" dirty="0"/>
+              <a:t/>
+            </a:r>
+            <a:br>
+              <a:rPr lang="en-US" dirty="0"/>
+            </a:br>
+            <a:r>
+              <a:rPr lang="en-US" dirty="0"/>
+              <a:t/>
+            </a:r>
+            <a:br>
+              <a:rPr lang="en-US" dirty="0"/>
+            </a:br>
+            <a:r>
+              <a:rPr lang="en-US" dirty="0"/>
+              <a:t/>
+            </a:r>
+            <a:br>
+              <a:rPr lang="en-US" dirty="0"/>
+            </a:br>
+            <a:r>
+              <a:rPr lang="en-US" dirty="0"/>
+              <a:t/>
+            </a:r>
+            <a:br>
+              <a:rPr lang="en-US" dirty="0"/>
+            </a:br>
+            <a:r>
+              <a:rPr lang="en-US" dirty="0"/>
+              <a:t/>
+            </a:r>
+            <a:br>
+              <a:rPr lang="en-US" dirty="0"/>
+            </a:br>
+            <a:r>
+              <a:rPr lang="en-US" dirty="0"/>
+              <a:t/>
+            </a:r>
+            <a:br>
+              <a:rPr lang="en-US" dirty="0"/>
+            </a:br>
+            <a:endParaRPr lang="en-US" dirty="0"/>
+          </a:p>
+        </p:txBody>
+      </p:sp>
+      <p:sp>
+        <p:nvSpPr>
+          <p:cNvPr id="5" name="Footer Placeholder 4"/>
+          <p:cNvSpPr>
+            <a:spLocks noGrp="1"/>
+          </p:cNvSpPr>
+          <p:nvPr>
+            <p:ph type="ftr" sz="quarter" idx="14"/>
+          </p:nvPr>
+        </p:nvSpPr>
+        <p:spPr/>
+        <p:txBody>
+          <a:bodyPr/>
+          <a:lstStyle/>
+          <a:p>
+            <a:pPr algn="l"/>
+            <a:r>
+              <a:rPr lang="en-US" noProof="0" dirty="0">
+                <a:solidFill>
+                  <a:schemeClr val="bg2"/>
+                </a:solidFill>
+                <a:cs typeface="Arial" charset="0"/>
+              </a:rPr>
+              <a:t>&lt;Change information classification in footer&gt;</a:t>
+            </a:r>
+          </a:p>
+        </p:txBody>
+      </p:sp>
+      <p:sp>
+        <p:nvSpPr>
+          <p:cNvPr id="8194" name="Rectangle 2"/>
+          <p:cNvSpPr>
+            <a:spLocks noChangeArrowheads="1"/>
+          </p:cNvSpPr>
+          <p:nvPr/>
+        </p:nvSpPr>
+        <p:spPr bwMode="auto">
+          <a:xfrm>
+            <a:off x="0" y="0"/>
+            <a:ext cx="9144000" cy="0"/>
+          </a:xfrm>
+          <a:prstGeom prst="rect">
+            <a:avLst/>
+          </a:prstGeom>
+          <a:noFill/>
+          <a:ln w="9525">
+            <a:noFill/>
+            <a:miter lim="800000"/>
+            <a:headEnd/>
+            <a:tailEnd/>
+          </a:ln>
+          <a:effectLst/>
+        </p:spPr>
+        <p:txBody>
+          <a:bodyPr vert="horz" wrap="none" lIns="91440" tIns="45720" rIns="91440" bIns="45720" numCol="1" anchor="ctr" anchorCtr="0" compatLnSpc="1">
+            <a:prstTxWarp prst="textNoShape">
+              <a:avLst/>
+            </a:prstTxWarp>
+            <a:spAutoFit/>
+          </a:bodyPr>
+          <a:lstStyle/>
+          <a:p>
+            <a:endParaRPr lang="zh-CN" altLang="en-US"/>
+          </a:p>
+        </p:txBody>
+      </p:sp>
+      <p:sp>
+        <p:nvSpPr>
+          <p:cNvPr id="4" name="Content Placeholder 3"/>
+          <p:cNvSpPr>
+            <a:spLocks noGrp="1"/>
+          </p:cNvSpPr>
+          <p:nvPr>
+            <p:ph sz="quarter" idx="13"/>
+          </p:nvPr>
+        </p:nvSpPr>
+        <p:spPr/>
+        <p:txBody>
+          <a:bodyPr/>
+          <a:lstStyle/>
+          <a:p>
+            <a:endParaRPr lang="zh-CN" altLang="en-US" dirty="0"/>
+          </a:p>
+        </p:txBody>
+      </p:sp>
+      <p:pic>
+        <p:nvPicPr>
+          <p:cNvPr id="3074" name="Picture 2"/>
+          <p:cNvPicPr>
+            <a:picLocks noChangeAspect="1" noChangeArrowheads="1"/>
+          </p:cNvPicPr>
+          <p:nvPr/>
+        </p:nvPicPr>
+        <p:blipFill>
+          <a:blip r:embed="rId3"/>
+          <a:srcRect/>
+          <a:stretch>
+            <a:fillRect/>
+          </a:stretch>
+        </p:blipFill>
+        <p:spPr bwMode="auto">
+          <a:xfrm>
+            <a:off x="1812925" y="1371600"/>
+            <a:ext cx="5518150" cy="2400300"/>
+          </a:xfrm>
+          <a:prstGeom prst="rect">
+            <a:avLst/>
+          </a:prstGeom>
+          <a:noFill/>
+          <a:ln w="9525">
+            <a:noFill/>
+            <a:miter lim="800000"/>
+            <a:headEnd/>
+            <a:tailEnd/>
+          </a:ln>
+        </p:spPr>
+      </p:pic>
+    </p:spTree>
+    <p:extLst>
+      <p:ext uri="{BB962C8B-B14F-4D97-AF65-F5344CB8AC3E}">
+        <p14:creationId xmlns:p14="http://schemas.microsoft.com/office/powerpoint/2010/main" xmlns="" val="3505666629"/>
+      </p:ext>
+    </p:extLst>
+  </p:cSld>
+  <p:clrMapOvr>
+    <a:masterClrMapping/>
+  </p:clrMapOvr>
+  <p:timing>
+    <p:tnLst>
+      <p:par>
+        <p:cTn id="1" dur="indefinite" restart="never" nodeType="tmRoot"/>
+      </p:par>
+    </p:tnLst>
+  </p:timing>
+</p:sld>
+</file>
+
+<file path=ppt/slides/slide6.xml><?xml version="1.0" encoding="utf-8"?>
+<p:sld xmlns:a="http://schemas.openxmlformats.org/drawingml/2006/main" xmlns:r="http://schemas.openxmlformats.org/officeDocument/2006/relationships" xmlns:p="http://schemas.openxmlformats.org/presentationml/2006/main">
+  <p:cSld>
+    <p:spTree>
+      <p:nvGrpSpPr>
+        <p:cNvPr id="1" name=""/>
+        <p:cNvGrpSpPr/>
+        <p:nvPr/>
+      </p:nvGrpSpPr>
+      <p:grpSpPr>
+        <a:xfrm>
+          <a:off x="0" y="0"/>
+          <a:ext cx="0" cy="0"/>
+          <a:chOff x="0" y="0"/>
+          <a:chExt cx="0" cy="0"/>
+        </a:xfrm>
+      </p:grpSpPr>
+      <p:sp>
+        <p:nvSpPr>
+          <p:cNvPr id="2" name="Content Placeholder 1"/>
+          <p:cNvSpPr>
+            <a:spLocks noGrp="1"/>
+          </p:cNvSpPr>
+          <p:nvPr>
+            <p:ph idx="1"/>
+          </p:nvPr>
+        </p:nvSpPr>
+        <p:spPr>
+          <a:xfrm>
+            <a:off x="417144" y="1097956"/>
+            <a:ext cx="8229600" cy="3609693"/>
+          </a:xfrm>
+        </p:spPr>
+        <p:txBody>
+          <a:bodyPr/>
+          <a:lstStyle/>
+          <a:p>
+            <a:pPr marL="0" indent="0" hangingPunct="0">
+              <a:buNone/>
+            </a:pPr>
+            <a:endParaRPr lang="en-US" altLang="zh-CN" sz="1000" dirty="0"/>
+          </a:p>
+          <a:p>
+            <a:pPr marL="0" indent="0" hangingPunct="0">
+              <a:buNone/>
+            </a:pPr>
+            <a:endParaRPr lang="en-US" altLang="zh-CN" sz="1000" dirty="0"/>
+          </a:p>
+          <a:p>
+            <a:pPr marL="0" indent="0" hangingPunct="0">
+              <a:buNone/>
+            </a:pPr>
+            <a:endParaRPr lang="en-US" altLang="zh-CN" sz="1000" dirty="0"/>
+          </a:p>
+          <a:p>
+            <a:pPr marL="0" indent="0" hangingPunct="0">
+              <a:buNone/>
+            </a:pPr>
+            <a:endParaRPr lang="en-US" altLang="zh-CN" sz="1000" dirty="0"/>
+          </a:p>
+          <a:p>
+            <a:pPr marL="0" indent="0" hangingPunct="0">
+              <a:buNone/>
+            </a:pPr>
+            <a:endParaRPr lang="en-US" altLang="zh-CN" sz="1000" dirty="0"/>
+          </a:p>
+          <a:p>
+            <a:pPr marL="0" indent="0" hangingPunct="0">
+              <a:buNone/>
+            </a:pPr>
+            <a:endParaRPr lang="en-US" altLang="zh-CN" sz="1000" dirty="0"/>
+          </a:p>
+          <a:p>
+            <a:pPr marL="0" indent="0" hangingPunct="0">
+              <a:buNone/>
+            </a:pPr>
+            <a:endParaRPr lang="en-US" altLang="zh-CN" sz="1000" dirty="0"/>
+          </a:p>
+          <a:p>
+            <a:pPr marL="0" indent="0" hangingPunct="0">
+              <a:buNone/>
+            </a:pPr>
+            <a:endParaRPr lang="en-US" altLang="zh-CN" sz="1000" dirty="0"/>
+          </a:p>
+          <a:p>
+            <a:pPr marL="0" indent="0" hangingPunct="0">
+              <a:buNone/>
+            </a:pPr>
+            <a:endParaRPr lang="en-US" altLang="zh-CN" sz="1000" dirty="0"/>
+          </a:p>
+          <a:p>
+            <a:pPr marL="0" indent="0" hangingPunct="0">
+              <a:buNone/>
+            </a:pPr>
+            <a:endParaRPr lang="en-US" altLang="zh-CN" sz="1000" dirty="0"/>
+          </a:p>
+          <a:p>
+            <a:pPr marL="0" indent="0" hangingPunct="0">
+              <a:buNone/>
+            </a:pPr>
+            <a:endParaRPr lang="en-US" altLang="zh-CN" sz="1000" dirty="0"/>
+          </a:p>
+          <a:p>
+            <a:pPr marL="0" indent="0" hangingPunct="0">
+              <a:buNone/>
+            </a:pPr>
+            <a:endParaRPr lang="en-US" altLang="zh-CN" sz="1000" dirty="0"/>
+          </a:p>
+          <a:p>
+            <a:pPr marL="0" indent="0" hangingPunct="0">
+              <a:buNone/>
+            </a:pPr>
+            <a:endParaRPr lang="en-US" altLang="zh-CN" sz="1000" dirty="0"/>
+          </a:p>
+          <a:p>
+            <a:pPr hangingPunct="0"/>
+            <a:endParaRPr lang="en-GB" altLang="zh-CN" sz="1000" dirty="0"/>
+          </a:p>
+          <a:p>
+            <a:endParaRPr lang="en-US" sz="1600" dirty="0"/>
+          </a:p>
+        </p:txBody>
+      </p:sp>
+      <p:sp>
+        <p:nvSpPr>
+          <p:cNvPr id="3" name="Title 2"/>
+          <p:cNvSpPr>
+            <a:spLocks noGrp="1"/>
+          </p:cNvSpPr>
+          <p:nvPr>
+            <p:ph type="title"/>
+          </p:nvPr>
+        </p:nvSpPr>
+        <p:spPr/>
+        <p:txBody>
+          <a:bodyPr/>
+          <a:lstStyle/>
+          <a:p>
             <a:r>
               <a:rPr lang="zh-CN" altLang="en-US" dirty="0" smtClean="0"/>
-              <a:t>为</a:t>
+              <a:t>终端待机状态行为</a:t>
             </a:r>
             <a:r>
               <a:rPr lang="en-US" altLang="zh-CN" dirty="0" smtClean="0"/>
@@ -13308,385 +14100,7 @@
     </p:spTree>
     <p:extLst>
       <p:ext uri="{BB962C8B-B14F-4D97-AF65-F5344CB8AC3E}">
-        <p14:creationId xmlns="" xmlns:p14="http://schemas.microsoft.com/office/powerpoint/2010/main" val="3393719830"/>
-      </p:ext>
-    </p:extLst>
-  </p:cSld>
-  <p:clrMapOvr>
-    <a:masterClrMapping/>
-  </p:clrMapOvr>
-  <p:timing>
-    <p:tnLst>
-      <p:par>
-        <p:cTn id="1" dur="indefinite" restart="never" nodeType="tmRoot"/>
-      </p:par>
-    </p:tnLst>
-  </p:timing>
-</p:sld>
-</file>
-
-<file path=ppt/slides/slide6.xml><?xml version="1.0" encoding="utf-8"?>
-<p:sld xmlns:a="http://schemas.openxmlformats.org/drawingml/2006/main" xmlns:r="http://schemas.openxmlformats.org/officeDocument/2006/relationships" xmlns:p="http://schemas.openxmlformats.org/presentationml/2006/main">
-  <p:cSld>
-    <p:spTree>
-      <p:nvGrpSpPr>
-        <p:cNvPr id="1" name=""/>
-        <p:cNvGrpSpPr/>
-        <p:nvPr/>
-      </p:nvGrpSpPr>
-      <p:grpSpPr>
-        <a:xfrm>
-          <a:off x="0" y="0"/>
-          <a:ext cx="0" cy="0"/>
-          <a:chOff x="0" y="0"/>
-          <a:chExt cx="0" cy="0"/>
-        </a:xfrm>
-      </p:grpSpPr>
-      <p:sp>
-        <p:nvSpPr>
-          <p:cNvPr id="2" name="Content Placeholder 1"/>
-          <p:cNvSpPr>
-            <a:spLocks noGrp="1"/>
-          </p:cNvSpPr>
-          <p:nvPr>
-            <p:ph idx="1"/>
-          </p:nvPr>
-        </p:nvSpPr>
-        <p:spPr>
-          <a:xfrm>
-            <a:off x="417144" y="1097956"/>
-            <a:ext cx="8229600" cy="3609693"/>
-          </a:xfrm>
-        </p:spPr>
-        <p:txBody>
-          <a:bodyPr/>
-          <a:lstStyle/>
-          <a:p>
-            <a:pPr marL="0" indent="0" hangingPunct="0">
-              <a:buNone/>
-            </a:pPr>
-            <a:endParaRPr lang="en-US" altLang="zh-CN" sz="1000" dirty="0"/>
-          </a:p>
-          <a:p>
-            <a:pPr marL="0" indent="0" hangingPunct="0">
-              <a:buNone/>
-            </a:pPr>
-            <a:endParaRPr lang="en-US" altLang="zh-CN" sz="1000" dirty="0"/>
-          </a:p>
-          <a:p>
-            <a:pPr marL="0" indent="0" hangingPunct="0">
-              <a:buNone/>
-            </a:pPr>
-            <a:endParaRPr lang="en-US" altLang="zh-CN" sz="1000" dirty="0"/>
-          </a:p>
-          <a:p>
-            <a:pPr marL="0" indent="0" hangingPunct="0">
-              <a:buNone/>
-            </a:pPr>
-            <a:endParaRPr lang="en-US" altLang="zh-CN" sz="1000" dirty="0"/>
-          </a:p>
-          <a:p>
-            <a:pPr marL="0" indent="0" hangingPunct="0">
-              <a:buNone/>
-            </a:pPr>
-            <a:endParaRPr lang="en-US" altLang="zh-CN" sz="1000" dirty="0"/>
-          </a:p>
-          <a:p>
-            <a:pPr marL="0" indent="0" hangingPunct="0">
-              <a:buNone/>
-            </a:pPr>
-            <a:endParaRPr lang="en-US" altLang="zh-CN" sz="1000" dirty="0"/>
-          </a:p>
-          <a:p>
-            <a:pPr marL="0" indent="0" hangingPunct="0">
-              <a:buNone/>
-            </a:pPr>
-            <a:endParaRPr lang="en-US" altLang="zh-CN" sz="1000" dirty="0"/>
-          </a:p>
-          <a:p>
-            <a:pPr marL="0" indent="0" hangingPunct="0">
-              <a:buNone/>
-            </a:pPr>
-            <a:endParaRPr lang="en-US" altLang="zh-CN" sz="1000" dirty="0"/>
-          </a:p>
-          <a:p>
-            <a:pPr marL="0" indent="0" hangingPunct="0">
-              <a:buNone/>
-            </a:pPr>
-            <a:endParaRPr lang="en-US" altLang="zh-CN" sz="1000" dirty="0"/>
-          </a:p>
-          <a:p>
-            <a:pPr marL="0" indent="0" hangingPunct="0">
-              <a:buNone/>
-            </a:pPr>
-            <a:endParaRPr lang="en-US" altLang="zh-CN" sz="1000" dirty="0"/>
-          </a:p>
-          <a:p>
-            <a:pPr marL="0" indent="0" hangingPunct="0">
-              <a:buNone/>
-            </a:pPr>
-            <a:endParaRPr lang="en-US" altLang="zh-CN" sz="1000" dirty="0"/>
-          </a:p>
-          <a:p>
-            <a:pPr marL="0" indent="0" hangingPunct="0">
-              <a:buNone/>
-            </a:pPr>
-            <a:endParaRPr lang="en-US" altLang="zh-CN" sz="1000" dirty="0"/>
-          </a:p>
-          <a:p>
-            <a:pPr marL="0" indent="0" hangingPunct="0">
-              <a:buNone/>
-            </a:pPr>
-            <a:endParaRPr lang="en-US" altLang="zh-CN" sz="1000" dirty="0"/>
-          </a:p>
-          <a:p>
-            <a:pPr marL="0" indent="0" hangingPunct="0">
-              <a:buNone/>
-            </a:pPr>
-            <a:endParaRPr lang="en-US" altLang="zh-CN" sz="1000" dirty="0"/>
-          </a:p>
-          <a:p>
-            <a:pPr hangingPunct="0"/>
-            <a:endParaRPr lang="en-GB" altLang="zh-CN" sz="1000" dirty="0"/>
-          </a:p>
-          <a:p>
-            <a:endParaRPr lang="en-US" sz="1600" dirty="0"/>
-          </a:p>
-        </p:txBody>
-      </p:sp>
-      <p:sp>
-        <p:nvSpPr>
-          <p:cNvPr id="3" name="Title 2"/>
-          <p:cNvSpPr>
-            <a:spLocks noGrp="1"/>
-          </p:cNvSpPr>
-          <p:nvPr>
-            <p:ph type="title"/>
-          </p:nvPr>
-        </p:nvSpPr>
-        <p:spPr/>
-        <p:txBody>
-          <a:bodyPr/>
-          <a:lstStyle/>
-          <a:p>
-            <a:r>
-              <a:rPr lang="zh-CN" altLang="en-US" dirty="0" smtClean="0"/>
-              <a:t>终</a:t>
-            </a:r>
-            <a:r>
-              <a:rPr lang="zh-CN" altLang="en-US" dirty="0" smtClean="0"/>
-              <a:t>端待机状态行为</a:t>
-            </a:r>
-            <a:r>
-              <a:rPr lang="en-US" altLang="zh-CN" dirty="0" smtClean="0"/>
-              <a:t>- </a:t>
-            </a:r>
-            <a:r>
-              <a:rPr lang="zh-CN" altLang="en-US" dirty="0" smtClean="0"/>
-              <a:t>小区广播机制</a:t>
-            </a:r>
-            <a:r>
-              <a:rPr lang="en-US" altLang="zh-CN" dirty="0"/>
-              <a:t/>
-            </a:r>
-            <a:br>
-              <a:rPr lang="en-US" altLang="zh-CN" dirty="0"/>
-            </a:br>
-            <a:r>
-              <a:rPr lang="en-US" dirty="0"/>
-              <a:t/>
-            </a:r>
-            <a:br>
-              <a:rPr lang="en-US" dirty="0"/>
-            </a:br>
-            <a:r>
-              <a:rPr lang="en-US" dirty="0"/>
-              <a:t/>
-            </a:r>
-            <a:br>
-              <a:rPr lang="en-US" dirty="0"/>
-            </a:br>
-            <a:r>
-              <a:rPr lang="en-US" dirty="0"/>
-              <a:t/>
-            </a:r>
-            <a:br>
-              <a:rPr lang="en-US" dirty="0"/>
-            </a:br>
-            <a:r>
-              <a:rPr lang="en-US" dirty="0"/>
-              <a:t/>
-            </a:r>
-            <a:br>
-              <a:rPr lang="en-US" dirty="0"/>
-            </a:br>
-            <a:r>
-              <a:rPr lang="en-US" dirty="0"/>
-              <a:t/>
-            </a:r>
-            <a:br>
-              <a:rPr lang="en-US" dirty="0"/>
-            </a:br>
-            <a:r>
-              <a:rPr lang="en-US" dirty="0"/>
-              <a:t/>
-            </a:r>
-            <a:br>
-              <a:rPr lang="en-US" dirty="0"/>
-            </a:br>
-            <a:r>
-              <a:rPr lang="en-US" dirty="0"/>
-              <a:t/>
-            </a:r>
-            <a:br>
-              <a:rPr lang="en-US" dirty="0"/>
-            </a:br>
-            <a:r>
-              <a:rPr lang="en-US" dirty="0"/>
-              <a:t/>
-            </a:r>
-            <a:br>
-              <a:rPr lang="en-US" dirty="0"/>
-            </a:br>
-            <a:r>
-              <a:rPr lang="en-US" dirty="0"/>
-              <a:t/>
-            </a:r>
-            <a:br>
-              <a:rPr lang="en-US" dirty="0"/>
-            </a:br>
-            <a:r>
-              <a:rPr lang="en-US" dirty="0"/>
-              <a:t/>
-            </a:r>
-            <a:br>
-              <a:rPr lang="en-US" dirty="0"/>
-            </a:br>
-            <a:endParaRPr lang="en-US" dirty="0"/>
-          </a:p>
-        </p:txBody>
-      </p:sp>
-      <p:sp>
-        <p:nvSpPr>
-          <p:cNvPr id="5" name="Footer Placeholder 4"/>
-          <p:cNvSpPr>
-            <a:spLocks noGrp="1"/>
-          </p:cNvSpPr>
-          <p:nvPr>
-            <p:ph type="ftr" sz="quarter" idx="14"/>
-          </p:nvPr>
-        </p:nvSpPr>
-        <p:spPr/>
-        <p:txBody>
-          <a:bodyPr/>
-          <a:lstStyle/>
-          <a:p>
-            <a:pPr algn="l"/>
-            <a:r>
-              <a:rPr lang="en-US" noProof="0" dirty="0">
-                <a:solidFill>
-                  <a:schemeClr val="bg2"/>
-                </a:solidFill>
-                <a:cs typeface="Arial" charset="0"/>
-              </a:rPr>
-              <a:t>&lt;Change information classification in footer&gt;</a:t>
-            </a:r>
-          </a:p>
-        </p:txBody>
-      </p:sp>
-      <p:sp>
-        <p:nvSpPr>
-          <p:cNvPr id="8194" name="Rectangle 2"/>
-          <p:cNvSpPr>
-            <a:spLocks noChangeArrowheads="1"/>
-          </p:cNvSpPr>
-          <p:nvPr/>
-        </p:nvSpPr>
-        <p:spPr bwMode="auto">
-          <a:xfrm>
-            <a:off x="0" y="0"/>
-            <a:ext cx="9144000" cy="0"/>
-          </a:xfrm>
-          <a:prstGeom prst="rect">
-            <a:avLst/>
-          </a:prstGeom>
-          <a:noFill/>
-          <a:ln w="9525">
-            <a:noFill/>
-            <a:miter lim="800000"/>
-            <a:headEnd/>
-            <a:tailEnd/>
-          </a:ln>
-          <a:effectLst/>
-        </p:spPr>
-        <p:txBody>
-          <a:bodyPr vert="horz" wrap="none" lIns="91440" tIns="45720" rIns="91440" bIns="45720" numCol="1" anchor="ctr" anchorCtr="0" compatLnSpc="1">
-            <a:prstTxWarp prst="textNoShape">
-              <a:avLst/>
-            </a:prstTxWarp>
-            <a:spAutoFit/>
-          </a:bodyPr>
-          <a:lstStyle/>
-          <a:p>
-            <a:endParaRPr lang="zh-CN" altLang="en-US"/>
-          </a:p>
-        </p:txBody>
-      </p:sp>
-      <p:sp>
-        <p:nvSpPr>
-          <p:cNvPr id="4" name="Content Placeholder 3"/>
-          <p:cNvSpPr>
-            <a:spLocks noGrp="1"/>
-          </p:cNvSpPr>
-          <p:nvPr>
-            <p:ph sz="quarter" idx="13"/>
-          </p:nvPr>
-        </p:nvSpPr>
-        <p:spPr/>
-        <p:txBody>
-          <a:bodyPr/>
-          <a:lstStyle/>
-          <a:p>
-            <a:endParaRPr lang="zh-CN" altLang="en-US" dirty="0"/>
-          </a:p>
-        </p:txBody>
-      </p:sp>
-      <p:pic>
-        <p:nvPicPr>
-          <p:cNvPr id="3074" name="Picture 2"/>
-          <p:cNvPicPr>
-            <a:picLocks noChangeAspect="1" noChangeArrowheads="1"/>
-          </p:cNvPicPr>
-          <p:nvPr/>
-        </p:nvPicPr>
-        <p:blipFill>
-          <a:blip r:embed="rId3"/>
-          <a:srcRect/>
-          <a:stretch>
-            <a:fillRect/>
-          </a:stretch>
-        </p:blipFill>
-        <p:spPr bwMode="auto">
-          <a:xfrm>
-            <a:off x="1812925" y="1371600"/>
-            <a:ext cx="5518150" cy="2400300"/>
-          </a:xfrm>
-          <a:prstGeom prst="rect">
-            <a:avLst/>
-          </a:prstGeom>
-          <a:noFill/>
-          <a:ln w="9525">
-            <a:noFill/>
-            <a:miter lim="800000"/>
-            <a:headEnd/>
-            <a:tailEnd/>
-          </a:ln>
-        </p:spPr>
-      </p:pic>
-    </p:spTree>
-    <p:extLst>
-      <p:ext uri="{BB962C8B-B14F-4D97-AF65-F5344CB8AC3E}">
-        <p14:creationId xmlns="" xmlns:p14="http://schemas.microsoft.com/office/powerpoint/2010/main" val="3505666629"/>
+        <p14:creationId xmlns:p14="http://schemas.microsoft.com/office/powerpoint/2010/main" xmlns="" val="3393719830"/>
       </p:ext>
     </p:extLst>
   </p:cSld>
@@ -13765,15 +14179,7 @@
           <a:p>
             <a:r>
               <a:rPr lang="zh-CN" altLang="en-US" dirty="0" smtClean="0"/>
-              <a:t>终端联</a:t>
-            </a:r>
-            <a:r>
-              <a:rPr lang="zh-CN" altLang="en-US" dirty="0" smtClean="0"/>
-              <a:t>机</a:t>
-            </a:r>
-            <a:r>
-              <a:rPr lang="zh-CN" altLang="en-US" dirty="0" smtClean="0"/>
-              <a:t>状态行为</a:t>
+              <a:t>终端联机状态行为</a:t>
             </a:r>
             <a:r>
               <a:rPr lang="en-US" altLang="zh-CN" dirty="0" smtClean="0"/>
@@ -13897,15 +14303,7 @@
           <a:p>
             <a:r>
               <a:rPr lang="zh-CN" altLang="en-US" b="1" dirty="0" smtClean="0"/>
-              <a:t>联机</a:t>
-            </a:r>
-            <a:r>
-              <a:rPr lang="zh-CN" altLang="en-US" b="1" dirty="0" smtClean="0"/>
-              <a:t>状态</a:t>
-            </a:r>
-            <a:r>
-              <a:rPr lang="zh-CN" altLang="en-US" b="1" dirty="0" smtClean="0"/>
-              <a:t>下的主要处理过程</a:t>
+              <a:t>联机状态下的主要处理过程</a:t>
             </a:r>
             <a:r>
               <a:rPr lang="zh-CN" altLang="en-US" dirty="0" smtClean="0"/>
@@ -14111,11 +14509,7 @@
           <a:p>
             <a:r>
               <a:rPr lang="zh-CN" altLang="en-US" dirty="0" smtClean="0"/>
-              <a:t>终</a:t>
-            </a:r>
-            <a:r>
-              <a:rPr lang="zh-CN" altLang="en-US" dirty="0" smtClean="0"/>
-              <a:t>端联机状态行为</a:t>
+              <a:t>终端联机状态行为</a:t>
             </a:r>
             <a:r>
               <a:rPr lang="en-US" altLang="zh-CN" dirty="0"/>
@@ -14288,11 +14682,7 @@
           <a:p>
             <a:r>
               <a:rPr lang="zh-CN" altLang="en-US" dirty="0" smtClean="0"/>
-              <a:t>终</a:t>
-            </a:r>
-            <a:r>
-              <a:rPr lang="zh-CN" altLang="en-US" dirty="0" smtClean="0"/>
-              <a:t>端的</a:t>
+              <a:t>终端的</a:t>
             </a:r>
             <a:r>
               <a:rPr lang="en-US" altLang="zh-CN" dirty="0" smtClean="0"/>
@@ -14337,7 +14727,7 @@
     </p:spTree>
     <p:extLst>
       <p:ext uri="{BB962C8B-B14F-4D97-AF65-F5344CB8AC3E}">
-        <p14:creationId xmlns="" xmlns:p14="http://schemas.microsoft.com/office/powerpoint/2010/main" val="1333256113"/>
+        <p14:creationId xmlns:p14="http://schemas.microsoft.com/office/powerpoint/2010/main" xmlns="" val="1333256113"/>
       </p:ext>
     </p:extLst>
   </p:cSld>
@@ -14722,7 +15112,7 @@
     </p:spTree>
     <p:extLst>
       <p:ext uri="{BB962C8B-B14F-4D97-AF65-F5344CB8AC3E}">
-        <p14:creationId xmlns="" xmlns:p14="http://schemas.microsoft.com/office/powerpoint/2010/main" val="1711238898"/>
+        <p14:creationId xmlns:p14="http://schemas.microsoft.com/office/powerpoint/2010/main" xmlns="" val="1711238898"/>
       </p:ext>
     </p:extLst>
   </p:cSld>
@@ -15042,7 +15432,7 @@
   <a:extraClrSchemeLst/>
   <a:extLst>
     <a:ext uri="{05A4C25C-085E-4340-85A3-A5531E510DB2}">
-      <thm15:themeFamily xmlns="" xmlns:thm15="http://schemas.microsoft.com/office/thememl/2012/main" name="NET_PPT_Temp_Arial_Macro_Free_v51" id="{8D803308-784A-4915-9600-984AB2AA7C57}" vid="{40DA430F-9525-450C-A1C3-970D65CC2B3B}"/>
+      <thm15:themeFamily xmlns:thm15="http://schemas.microsoft.com/office/thememl/2012/main" xmlns="" name="NET_PPT_Temp_Arial_Macro_Free_v51" id="{8D803308-784A-4915-9600-984AB2AA7C57}" vid="{40DA430F-9525-450C-A1C3-970D65CC2B3B}"/>
     </a:ext>
   </a:extLst>
 </a:theme>
@@ -15351,7 +15741,7 @@
   <a:extraClrSchemeLst/>
   <a:extLst>
     <a:ext uri="{05A4C25C-085E-4340-85A3-A5531E510DB2}">
-      <thm15:themeFamily xmlns="" xmlns:thm15="http://schemas.microsoft.com/office/thememl/2012/main" name="NET_PPT_Temp_Arial_Macro_Free_v51" id="{8D803308-784A-4915-9600-984AB2AA7C57}" vid="{4A425527-96A3-4A84-9E4D-BF967562125A}"/>
+      <thm15:themeFamily xmlns:thm15="http://schemas.microsoft.com/office/thememl/2012/main" xmlns="" name="NET_PPT_Temp_Arial_Macro_Free_v51" id="{8D803308-784A-4915-9600-984AB2AA7C57}" vid="{4A425527-96A3-4A84-9E4D-BF967562125A}"/>
     </a:ext>
   </a:extLst>
 </a:theme>
@@ -15672,7 +16062,7 @@
   <a:extraClrSchemeLst/>
   <a:extLst>
     <a:ext uri="{05A4C25C-085E-4340-85A3-A5531E510DB2}">
-      <thm15:themeFamily xmlns="" xmlns:thm15="http://schemas.microsoft.com/office/thememl/2012/main" name="NET_PPT_Temp_Arial_Macro_Free_v51" id="{8D803308-784A-4915-9600-984AB2AA7C57}" vid="{390ADDEA-1B99-4A1B-B179-A2DD6FC18865}"/>
+      <thm15:themeFamily xmlns:thm15="http://schemas.microsoft.com/office/thememl/2012/main" xmlns="" name="NET_PPT_Temp_Arial_Macro_Free_v51" id="{8D803308-784A-4915-9600-984AB2AA7C57}" vid="{390ADDEA-1B99-4A1B-B179-A2DD6FC18865}"/>
     </a:ext>
   </a:extLst>
 </a:theme>
